--- a/Documentation/Dokumentation.pptx
+++ b/Documentation/Dokumentation.pptx
@@ -21,9 +21,10 @@
     <p:sldId id="271" r:id="rId15"/>
     <p:sldId id="272" r:id="rId16"/>
     <p:sldId id="273" r:id="rId17"/>
-    <p:sldId id="275" r:id="rId18"/>
+    <p:sldId id="276" r:id="rId18"/>
     <p:sldId id="274" r:id="rId19"/>
     <p:sldId id="268" r:id="rId20"/>
+    <p:sldId id="277" r:id="rId21"/>
   </p:sldIdLst>
   <p:sldSz cx="6858000" cy="9906000" type="A4"/>
   <p:notesSz cx="6858000" cy="9144000"/>
@@ -320,7 +321,7 @@
           <a:p>
             <a:fld id="{1BA50D42-C9CD-4801-B293-61D1F53EC57E}" type="datetimeFigureOut">
               <a:rPr lang="de-DE" smtClean="0"/>
-              <a:t>26.04.2018</a:t>
+              <a:t>02.05.2018</a:t>
             </a:fld>
             <a:endParaRPr lang="de-DE"/>
           </a:p>
@@ -483,7 +484,7 @@
           <a:p>
             <a:fld id="{1BA50D42-C9CD-4801-B293-61D1F53EC57E}" type="datetimeFigureOut">
               <a:rPr lang="de-DE" smtClean="0"/>
-              <a:t>26.04.2018</a:t>
+              <a:t>02.05.2018</a:t>
             </a:fld>
             <a:endParaRPr lang="de-DE"/>
           </a:p>
@@ -656,7 +657,7 @@
           <a:p>
             <a:fld id="{1BA50D42-C9CD-4801-B293-61D1F53EC57E}" type="datetimeFigureOut">
               <a:rPr lang="de-DE" smtClean="0"/>
-              <a:t>26.04.2018</a:t>
+              <a:t>02.05.2018</a:t>
             </a:fld>
             <a:endParaRPr lang="de-DE"/>
           </a:p>
@@ -782,7 +783,7 @@
           <a:p>
             <a:fld id="{1BA50D42-C9CD-4801-B293-61D1F53EC57E}" type="datetimeFigureOut">
               <a:rPr lang="de-DE" smtClean="0"/>
-              <a:t>26.04.2018</a:t>
+              <a:t>02.05.2018</a:t>
             </a:fld>
             <a:endParaRPr lang="de-DE"/>
           </a:p>
@@ -1022,7 +1023,7 @@
           <a:p>
             <a:fld id="{1BA50D42-C9CD-4801-B293-61D1F53EC57E}" type="datetimeFigureOut">
               <a:rPr lang="de-DE" smtClean="0"/>
-              <a:t>26.04.2018</a:t>
+              <a:t>02.05.2018</a:t>
             </a:fld>
             <a:endParaRPr lang="de-DE"/>
           </a:p>
@@ -1302,7 +1303,7 @@
           <a:p>
             <a:fld id="{1BA50D42-C9CD-4801-B293-61D1F53EC57E}" type="datetimeFigureOut">
               <a:rPr lang="de-DE" smtClean="0"/>
-              <a:t>26.04.2018</a:t>
+              <a:t>02.05.2018</a:t>
             </a:fld>
             <a:endParaRPr lang="de-DE"/>
           </a:p>
@@ -1716,7 +1717,7 @@
           <a:p>
             <a:fld id="{1BA50D42-C9CD-4801-B293-61D1F53EC57E}" type="datetimeFigureOut">
               <a:rPr lang="de-DE" smtClean="0"/>
-              <a:t>26.04.2018</a:t>
+              <a:t>02.05.2018</a:t>
             </a:fld>
             <a:endParaRPr lang="de-DE"/>
           </a:p>
@@ -1828,7 +1829,7 @@
           <a:p>
             <a:fld id="{1BA50D42-C9CD-4801-B293-61D1F53EC57E}" type="datetimeFigureOut">
               <a:rPr lang="de-DE" smtClean="0"/>
-              <a:t>26.04.2018</a:t>
+              <a:t>02.05.2018</a:t>
             </a:fld>
             <a:endParaRPr lang="de-DE"/>
           </a:p>
@@ -1918,7 +1919,7 @@
           <a:p>
             <a:fld id="{1BA50D42-C9CD-4801-B293-61D1F53EC57E}" type="datetimeFigureOut">
               <a:rPr lang="de-DE" smtClean="0"/>
-              <a:t>26.04.2018</a:t>
+              <a:t>02.05.2018</a:t>
             </a:fld>
             <a:endParaRPr lang="de-DE"/>
           </a:p>
@@ -2188,7 +2189,7 @@
           <a:p>
             <a:fld id="{1BA50D42-C9CD-4801-B293-61D1F53EC57E}" type="datetimeFigureOut">
               <a:rPr lang="de-DE" smtClean="0"/>
-              <a:t>26.04.2018</a:t>
+              <a:t>02.05.2018</a:t>
             </a:fld>
             <a:endParaRPr lang="de-DE"/>
           </a:p>
@@ -2435,7 +2436,7 @@
           <a:p>
             <a:fld id="{1BA50D42-C9CD-4801-B293-61D1F53EC57E}" type="datetimeFigureOut">
               <a:rPr lang="de-DE" smtClean="0"/>
-              <a:t>26.04.2018</a:t>
+              <a:t>02.05.2018</a:t>
             </a:fld>
             <a:endParaRPr lang="de-DE"/>
           </a:p>
@@ -2641,7 +2642,7 @@
           <a:p>
             <a:fld id="{1BA50D42-C9CD-4801-B293-61D1F53EC57E}" type="datetimeFigureOut">
               <a:rPr lang="de-DE" smtClean="0"/>
-              <a:t>26.04.2018</a:t>
+              <a:t>02.05.2018</a:t>
             </a:fld>
             <a:endParaRPr lang="de-DE"/>
           </a:p>
@@ -5061,7 +5062,7 @@
         <p:spPr>
           <a:xfrm>
             <a:off x="119876" y="1496616"/>
-            <a:ext cx="6624736" cy="5755422"/>
+            <a:ext cx="6624736" cy="6247864"/>
           </a:xfrm>
           <a:prstGeom prst="rect">
             <a:avLst/>
@@ -5502,6 +5503,25 @@
               </a:rPr>
               <a:t>%-%-%</a:t>
             </a:r>
+            <a:br>
+              <a:rPr lang="en-GB" sz="1600" dirty="0" smtClean="0">
+                <a:solidFill>
+                  <a:srgbClr val="7030A0"/>
+                </a:solidFill>
+              </a:rPr>
+            </a:br>
+            <a:r>
+              <a:rPr lang="en-GB" sz="1600" dirty="0" smtClean="0"/>
+              <a:t>At this point it may also be good to generate the </a:t>
+            </a:r>
+            <a:r>
+              <a:rPr lang="en-GB" sz="1600" dirty="0" err="1" smtClean="0"/>
+              <a:t>applicationConfig</a:t>
+            </a:r>
+            <a:r>
+              <a:rPr lang="en-GB" sz="1600" dirty="0" smtClean="0"/>
+              <a:t> in parallel.</a:t>
+            </a:r>
           </a:p>
           <a:p>
             <a:pPr marL="342900" indent="-342900">
@@ -5599,7 +5619,7 @@
     </p:spTree>
     <p:extLst>
       <p:ext uri="{BB962C8B-B14F-4D97-AF65-F5344CB8AC3E}">
-        <p14:creationId xmlns:p14="http://schemas.microsoft.com/office/powerpoint/2010/main" val="722167401"/>
+        <p14:creationId xmlns:p14="http://schemas.microsoft.com/office/powerpoint/2010/main" val="774527174"/>
       </p:ext>
     </p:extLst>
   </p:cSld>
@@ -5767,11 +5787,7 @@
             </a:r>
             <a:r>
               <a:rPr lang="en-US" sz="1600" smtClean="0"/>
-              <a:t> </a:t>
-            </a:r>
-            <a:r>
-              <a:rPr lang="en-US" sz="1600" smtClean="0"/>
-              <a:t>file do the following: </a:t>
+              <a:t> file do the following: </a:t>
             </a:r>
           </a:p>
           <a:p>
@@ -6884,6 +6900,674 @@
 </p:sld>
 </file>
 
+<file path=ppt/slides/slide20.xml><?xml version="1.0" encoding="utf-8"?>
+<p:sld xmlns:a="http://schemas.openxmlformats.org/drawingml/2006/main" xmlns:r="http://schemas.openxmlformats.org/officeDocument/2006/relationships" xmlns:p="http://schemas.openxmlformats.org/presentationml/2006/main">
+  <p:cSld>
+    <p:spTree>
+      <p:nvGrpSpPr>
+        <p:cNvPr id="1" name=""/>
+        <p:cNvGrpSpPr/>
+        <p:nvPr/>
+      </p:nvGrpSpPr>
+      <p:grpSpPr>
+        <a:xfrm>
+          <a:off x="0" y="0"/>
+          <a:ext cx="0" cy="0"/>
+          <a:chOff x="0" y="0"/>
+          <a:chExt cx="0" cy="0"/>
+        </a:xfrm>
+      </p:grpSpPr>
+      <p:sp>
+        <p:nvSpPr>
+          <p:cNvPr id="2" name="Titel 1"/>
+          <p:cNvSpPr>
+            <a:spLocks noGrp="1"/>
+          </p:cNvSpPr>
+          <p:nvPr>
+            <p:ph type="title"/>
+          </p:nvPr>
+        </p:nvSpPr>
+        <p:spPr>
+          <a:xfrm>
+            <a:off x="6490" y="7114"/>
+            <a:ext cx="6851509" cy="6962109"/>
+          </a:xfrm>
+        </p:spPr>
+        <p:txBody>
+          <a:bodyPr/>
+          <a:lstStyle/>
+          <a:p>
+            <a:r>
+              <a:rPr lang="de-DE" smtClean="0"/>
+              <a:t>Sample Application</a:t>
+            </a:r>
+            <a:r>
+              <a:rPr lang="de-DE" smtClean="0"/>
+              <a:t/>
+            </a:r>
+            <a:br>
+              <a:rPr lang="de-DE" smtClean="0"/>
+            </a:br>
+            <a:r>
+              <a:rPr lang="de-DE" sz="2400" smtClean="0"/>
+              <a:t>T1Mapper</a:t>
+            </a:r>
+            <a:r>
+              <a:rPr lang="de-DE" sz="2400" dirty="0"/>
+              <a:t/>
+            </a:r>
+            <a:br>
+              <a:rPr lang="de-DE" sz="2400" dirty="0"/>
+            </a:br>
+            <a:endParaRPr lang="en-US" dirty="0"/>
+          </a:p>
+        </p:txBody>
+      </p:sp>
+      <p:sp>
+        <p:nvSpPr>
+          <p:cNvPr id="3" name="Textfeld 2">
+            <a:extLst>
+              <a:ext uri="{FF2B5EF4-FFF2-40B4-BE49-F238E27FC236}">
+                <a16:creationId xmlns:a16="http://schemas.microsoft.com/office/drawing/2014/main" xmlns="" id="{93CEE36B-E834-47B9-9ABB-E248E004CF2E}"/>
+              </a:ext>
+            </a:extLst>
+          </p:cNvPr>
+          <p:cNvSpPr txBox="1"/>
+          <p:nvPr/>
+        </p:nvSpPr>
+        <p:spPr>
+          <a:xfrm>
+            <a:off x="116632" y="1352600"/>
+            <a:ext cx="6480720" cy="584775"/>
+          </a:xfrm>
+          <a:prstGeom prst="rect">
+            <a:avLst/>
+          </a:prstGeom>
+          <a:noFill/>
+        </p:spPr>
+        <p:txBody>
+          <a:bodyPr wrap="square" rtlCol="0">
+            <a:spAutoFit/>
+          </a:bodyPr>
+          <a:lstStyle/>
+          <a:p>
+            <a:pPr algn="just"/>
+            <a:r>
+              <a:rPr lang="en-US" sz="1600" smtClean="0"/>
+              <a:t>In the Git repository () you will find a phantom MRI data set. It consits of tubes filled with fatty emulsions from 0% to 100 % of fat.</a:t>
+            </a:r>
+            <a:endParaRPr lang="en-US" sz="1600" dirty="0">
+              <a:solidFill>
+                <a:srgbClr val="7030A0"/>
+              </a:solidFill>
+            </a:endParaRPr>
+          </a:p>
+        </p:txBody>
+      </p:sp>
+      <p:sp>
+        <p:nvSpPr>
+          <p:cNvPr id="20" name="Textfeld 19">
+            <a:extLst>
+              <a:ext uri="{FF2B5EF4-FFF2-40B4-BE49-F238E27FC236}">
+                <a16:creationId xmlns:a16="http://schemas.microsoft.com/office/drawing/2014/main" xmlns="" id="{93CEE36B-E834-47B9-9ABB-E248E004CF2E}"/>
+              </a:ext>
+            </a:extLst>
+          </p:cNvPr>
+          <p:cNvSpPr txBox="1"/>
+          <p:nvPr/>
+        </p:nvSpPr>
+        <p:spPr>
+          <a:xfrm>
+            <a:off x="188640" y="7185248"/>
+            <a:ext cx="6480720" cy="1323439"/>
+          </a:xfrm>
+          <a:prstGeom prst="rect">
+            <a:avLst/>
+          </a:prstGeom>
+          <a:noFill/>
+        </p:spPr>
+        <p:txBody>
+          <a:bodyPr wrap="square" rtlCol="0">
+            <a:spAutoFit/>
+          </a:bodyPr>
+          <a:lstStyle/>
+          <a:p>
+            <a:pPr algn="just"/>
+            <a:r>
+              <a:rPr lang="en-US" sz="1600" smtClean="0"/>
+              <a:t>You can either load the images by choosing “start new session” or load the existing dataset with already computed T1 maps in the T1Mapper mode of the Dicomflex. Fitting T1 values only makes sense for fat fractions of 50% - 100% as the fitting in this mode is limited to T1 values from 180ms to 4000ms.</a:t>
+            </a:r>
+            <a:endParaRPr lang="en-US" sz="1600" dirty="0">
+              <a:solidFill>
+                <a:srgbClr val="7030A0"/>
+              </a:solidFill>
+            </a:endParaRPr>
+          </a:p>
+        </p:txBody>
+      </p:sp>
+      <p:pic>
+        <p:nvPicPr>
+          <p:cNvPr id="1026" name="Picture 2"/>
+          <p:cNvPicPr>
+            <a:picLocks noChangeAspect="1" noChangeArrowheads="1"/>
+          </p:cNvPicPr>
+          <p:nvPr/>
+        </p:nvPicPr>
+        <p:blipFill>
+          <a:blip r:embed="rId2">
+            <a:extLst>
+              <a:ext uri="{28A0092B-C50C-407E-A947-70E740481C1C}">
+                <a14:useLocalDpi xmlns:a14="http://schemas.microsoft.com/office/drawing/2010/main" val="0"/>
+              </a:ext>
+            </a:extLst>
+          </a:blip>
+          <a:srcRect/>
+          <a:stretch>
+            <a:fillRect/>
+          </a:stretch>
+        </p:blipFill>
+        <p:spPr bwMode="auto">
+          <a:xfrm>
+            <a:off x="1026244" y="1937375"/>
+            <a:ext cx="4661495" cy="5072588"/>
+          </a:xfrm>
+          <a:prstGeom prst="rect">
+            <a:avLst/>
+          </a:prstGeom>
+          <a:noFill/>
+          <a:ln>
+            <a:noFill/>
+          </a:ln>
+          <a:extLst>
+            <a:ext uri="{909E8E84-426E-40DD-AFC4-6F175D3DCCD1}">
+              <a14:hiddenFill xmlns:a14="http://schemas.microsoft.com/office/drawing/2010/main">
+                <a:solidFill>
+                  <a:schemeClr val="accent1"/>
+                </a:solidFill>
+              </a14:hiddenFill>
+            </a:ext>
+            <a:ext uri="{91240B29-F687-4F45-9708-019B960494DF}">
+              <a14:hiddenLine xmlns:a14="http://schemas.microsoft.com/office/drawing/2010/main" w="9525">
+                <a:solidFill>
+                  <a:schemeClr val="tx1"/>
+                </a:solidFill>
+                <a:miter lim="800000"/>
+                <a:headEnd/>
+                <a:tailEnd/>
+              </a14:hiddenLine>
+            </a:ext>
+          </a:extLst>
+        </p:spPr>
+      </p:pic>
+      <p:sp>
+        <p:nvSpPr>
+          <p:cNvPr id="8" name="Textfeld 7"/>
+          <p:cNvSpPr txBox="1"/>
+          <p:nvPr/>
+        </p:nvSpPr>
+        <p:spPr>
+          <a:xfrm>
+            <a:off x="2132856" y="2619989"/>
+            <a:ext cx="737775" cy="307777"/>
+          </a:xfrm>
+          <a:prstGeom prst="rect">
+            <a:avLst/>
+          </a:prstGeom>
+          <a:noFill/>
+        </p:spPr>
+        <p:txBody>
+          <a:bodyPr wrap="square" rtlCol="0">
+            <a:spAutoFit/>
+          </a:bodyPr>
+          <a:lstStyle/>
+          <a:p>
+            <a:r>
+              <a:rPr lang="de-DE" sz="1400" dirty="0" smtClean="0">
+                <a:solidFill>
+                  <a:srgbClr val="FF0000"/>
+                </a:solidFill>
+              </a:rPr>
+              <a:t>0%</a:t>
+            </a:r>
+            <a:endParaRPr lang="en-US" sz="1400" dirty="0">
+              <a:solidFill>
+                <a:srgbClr val="FF0000"/>
+              </a:solidFill>
+            </a:endParaRPr>
+          </a:p>
+        </p:txBody>
+      </p:sp>
+      <p:sp>
+        <p:nvSpPr>
+          <p:cNvPr id="9" name="Textfeld 8"/>
+          <p:cNvSpPr txBox="1"/>
+          <p:nvPr/>
+        </p:nvSpPr>
+        <p:spPr>
+          <a:xfrm>
+            <a:off x="3140968" y="2909830"/>
+            <a:ext cx="737775" cy="307777"/>
+          </a:xfrm>
+          <a:prstGeom prst="rect">
+            <a:avLst/>
+          </a:prstGeom>
+          <a:noFill/>
+        </p:spPr>
+        <p:txBody>
+          <a:bodyPr wrap="square" rtlCol="0">
+            <a:spAutoFit/>
+          </a:bodyPr>
+          <a:lstStyle/>
+          <a:p>
+            <a:r>
+              <a:rPr lang="de-DE" sz="1400" dirty="0" smtClean="0">
+                <a:solidFill>
+                  <a:srgbClr val="FF0000"/>
+                </a:solidFill>
+              </a:rPr>
+              <a:t>5%</a:t>
+            </a:r>
+            <a:endParaRPr lang="en-US" sz="1400" dirty="0">
+              <a:solidFill>
+                <a:srgbClr val="FF0000"/>
+              </a:solidFill>
+            </a:endParaRPr>
+          </a:p>
+        </p:txBody>
+      </p:sp>
+      <p:sp>
+        <p:nvSpPr>
+          <p:cNvPr id="10" name="Textfeld 9"/>
+          <p:cNvSpPr txBox="1"/>
+          <p:nvPr/>
+        </p:nvSpPr>
+        <p:spPr>
+          <a:xfrm>
+            <a:off x="3140968" y="3382707"/>
+            <a:ext cx="737775" cy="307777"/>
+          </a:xfrm>
+          <a:prstGeom prst="rect">
+            <a:avLst/>
+          </a:prstGeom>
+          <a:noFill/>
+        </p:spPr>
+        <p:txBody>
+          <a:bodyPr wrap="square" rtlCol="0">
+            <a:spAutoFit/>
+          </a:bodyPr>
+          <a:lstStyle/>
+          <a:p>
+            <a:r>
+              <a:rPr lang="de-DE" sz="1400" dirty="0" smtClean="0">
+                <a:solidFill>
+                  <a:srgbClr val="FF0000"/>
+                </a:solidFill>
+              </a:rPr>
+              <a:t>10%</a:t>
+            </a:r>
+            <a:endParaRPr lang="en-US" sz="1400" dirty="0">
+              <a:solidFill>
+                <a:srgbClr val="FF0000"/>
+              </a:solidFill>
+            </a:endParaRPr>
+          </a:p>
+        </p:txBody>
+      </p:sp>
+      <p:sp>
+        <p:nvSpPr>
+          <p:cNvPr id="11" name="Textfeld 10"/>
+          <p:cNvSpPr txBox="1"/>
+          <p:nvPr/>
+        </p:nvSpPr>
+        <p:spPr>
+          <a:xfrm>
+            <a:off x="3140968" y="3814755"/>
+            <a:ext cx="737775" cy="307777"/>
+          </a:xfrm>
+          <a:prstGeom prst="rect">
+            <a:avLst/>
+          </a:prstGeom>
+          <a:noFill/>
+        </p:spPr>
+        <p:txBody>
+          <a:bodyPr wrap="square" rtlCol="0">
+            <a:spAutoFit/>
+          </a:bodyPr>
+          <a:lstStyle/>
+          <a:p>
+            <a:r>
+              <a:rPr lang="de-DE" sz="1400" dirty="0" smtClean="0">
+                <a:solidFill>
+                  <a:srgbClr val="FF0000"/>
+                </a:solidFill>
+              </a:rPr>
+              <a:t>20%</a:t>
+            </a:r>
+            <a:endParaRPr lang="en-US" sz="1400" dirty="0">
+              <a:solidFill>
+                <a:srgbClr val="FF0000"/>
+              </a:solidFill>
+            </a:endParaRPr>
+          </a:p>
+        </p:txBody>
+      </p:sp>
+      <p:sp>
+        <p:nvSpPr>
+          <p:cNvPr id="12" name="Textfeld 11"/>
+          <p:cNvSpPr txBox="1"/>
+          <p:nvPr/>
+        </p:nvSpPr>
+        <p:spPr>
+          <a:xfrm>
+            <a:off x="3140968" y="4274932"/>
+            <a:ext cx="737775" cy="307777"/>
+          </a:xfrm>
+          <a:prstGeom prst="rect">
+            <a:avLst/>
+          </a:prstGeom>
+          <a:noFill/>
+        </p:spPr>
+        <p:txBody>
+          <a:bodyPr wrap="square" rtlCol="0">
+            <a:spAutoFit/>
+          </a:bodyPr>
+          <a:lstStyle/>
+          <a:p>
+            <a:r>
+              <a:rPr lang="de-DE" sz="1400" dirty="0" smtClean="0">
+                <a:solidFill>
+                  <a:srgbClr val="FF0000"/>
+                </a:solidFill>
+              </a:rPr>
+              <a:t>30%</a:t>
+            </a:r>
+            <a:endParaRPr lang="en-US" sz="1400" dirty="0">
+              <a:solidFill>
+                <a:srgbClr val="FF0000"/>
+              </a:solidFill>
+            </a:endParaRPr>
+          </a:p>
+        </p:txBody>
+      </p:sp>
+      <p:sp>
+        <p:nvSpPr>
+          <p:cNvPr id="13" name="Textfeld 12"/>
+          <p:cNvSpPr txBox="1"/>
+          <p:nvPr/>
+        </p:nvSpPr>
+        <p:spPr>
+          <a:xfrm>
+            <a:off x="3140968" y="4677817"/>
+            <a:ext cx="737775" cy="307777"/>
+          </a:xfrm>
+          <a:prstGeom prst="rect">
+            <a:avLst/>
+          </a:prstGeom>
+          <a:noFill/>
+        </p:spPr>
+        <p:txBody>
+          <a:bodyPr wrap="square" rtlCol="0">
+            <a:spAutoFit/>
+          </a:bodyPr>
+          <a:lstStyle/>
+          <a:p>
+            <a:r>
+              <a:rPr lang="de-DE" sz="1400" dirty="0" smtClean="0">
+                <a:solidFill>
+                  <a:srgbClr val="FF0000"/>
+                </a:solidFill>
+              </a:rPr>
+              <a:t>40%</a:t>
+            </a:r>
+            <a:endParaRPr lang="en-US" sz="1400" dirty="0">
+              <a:solidFill>
+                <a:srgbClr val="FF0000"/>
+              </a:solidFill>
+            </a:endParaRPr>
+          </a:p>
+        </p:txBody>
+      </p:sp>
+      <p:sp>
+        <p:nvSpPr>
+          <p:cNvPr id="14" name="Textfeld 13"/>
+          <p:cNvSpPr txBox="1"/>
+          <p:nvPr/>
+        </p:nvSpPr>
+        <p:spPr>
+          <a:xfrm>
+            <a:off x="2141621" y="5068261"/>
+            <a:ext cx="737775" cy="307777"/>
+          </a:xfrm>
+          <a:prstGeom prst="rect">
+            <a:avLst/>
+          </a:prstGeom>
+          <a:noFill/>
+        </p:spPr>
+        <p:txBody>
+          <a:bodyPr wrap="square" rtlCol="0">
+            <a:spAutoFit/>
+          </a:bodyPr>
+          <a:lstStyle/>
+          <a:p>
+            <a:r>
+              <a:rPr lang="de-DE" sz="1400" dirty="0" smtClean="0">
+                <a:solidFill>
+                  <a:srgbClr val="FF0000"/>
+                </a:solidFill>
+              </a:rPr>
+              <a:t>50%</a:t>
+            </a:r>
+            <a:endParaRPr lang="en-US" sz="1400" dirty="0">
+              <a:solidFill>
+                <a:srgbClr val="FF0000"/>
+              </a:solidFill>
+            </a:endParaRPr>
+          </a:p>
+        </p:txBody>
+      </p:sp>
+      <p:sp>
+        <p:nvSpPr>
+          <p:cNvPr id="15" name="Textfeld 14"/>
+          <p:cNvSpPr txBox="1"/>
+          <p:nvPr/>
+        </p:nvSpPr>
+        <p:spPr>
+          <a:xfrm>
+            <a:off x="1849760" y="4708221"/>
+            <a:ext cx="737775" cy="307777"/>
+          </a:xfrm>
+          <a:prstGeom prst="rect">
+            <a:avLst/>
+          </a:prstGeom>
+          <a:noFill/>
+        </p:spPr>
+        <p:txBody>
+          <a:bodyPr wrap="square" rtlCol="0">
+            <a:spAutoFit/>
+          </a:bodyPr>
+          <a:lstStyle/>
+          <a:p>
+            <a:r>
+              <a:rPr lang="de-DE" sz="1400" dirty="0" smtClean="0">
+                <a:solidFill>
+                  <a:srgbClr val="FF0000"/>
+                </a:solidFill>
+              </a:rPr>
+              <a:t>60%</a:t>
+            </a:r>
+            <a:endParaRPr lang="en-US" sz="1400" dirty="0">
+              <a:solidFill>
+                <a:srgbClr val="FF0000"/>
+              </a:solidFill>
+            </a:endParaRPr>
+          </a:p>
+        </p:txBody>
+      </p:sp>
+      <p:sp>
+        <p:nvSpPr>
+          <p:cNvPr id="16" name="Textfeld 15"/>
+          <p:cNvSpPr txBox="1"/>
+          <p:nvPr/>
+        </p:nvSpPr>
+        <p:spPr>
+          <a:xfrm>
+            <a:off x="1728227" y="4285410"/>
+            <a:ext cx="737775" cy="307777"/>
+          </a:xfrm>
+          <a:prstGeom prst="rect">
+            <a:avLst/>
+          </a:prstGeom>
+          <a:noFill/>
+        </p:spPr>
+        <p:txBody>
+          <a:bodyPr wrap="square" rtlCol="0">
+            <a:spAutoFit/>
+          </a:bodyPr>
+          <a:lstStyle/>
+          <a:p>
+            <a:r>
+              <a:rPr lang="de-DE" sz="1400" dirty="0" smtClean="0">
+                <a:solidFill>
+                  <a:srgbClr val="FF0000"/>
+                </a:solidFill>
+              </a:rPr>
+              <a:t>70%</a:t>
+            </a:r>
+            <a:endParaRPr lang="en-US" sz="1400" dirty="0">
+              <a:solidFill>
+                <a:srgbClr val="FF0000"/>
+              </a:solidFill>
+            </a:endParaRPr>
+          </a:p>
+        </p:txBody>
+      </p:sp>
+      <p:sp>
+        <p:nvSpPr>
+          <p:cNvPr id="17" name="Textfeld 16"/>
+          <p:cNvSpPr txBox="1"/>
+          <p:nvPr/>
+        </p:nvSpPr>
+        <p:spPr>
+          <a:xfrm>
+            <a:off x="1755121" y="3841148"/>
+            <a:ext cx="737775" cy="307777"/>
+          </a:xfrm>
+          <a:prstGeom prst="rect">
+            <a:avLst/>
+          </a:prstGeom>
+          <a:noFill/>
+        </p:spPr>
+        <p:txBody>
+          <a:bodyPr wrap="square" rtlCol="0">
+            <a:spAutoFit/>
+          </a:bodyPr>
+          <a:lstStyle/>
+          <a:p>
+            <a:r>
+              <a:rPr lang="de-DE" sz="1400" dirty="0" smtClean="0">
+                <a:solidFill>
+                  <a:srgbClr val="FF0000"/>
+                </a:solidFill>
+              </a:rPr>
+              <a:t>80%</a:t>
+            </a:r>
+            <a:endParaRPr lang="en-US" sz="1400" dirty="0">
+              <a:solidFill>
+                <a:srgbClr val="FF0000"/>
+              </a:solidFill>
+            </a:endParaRPr>
+          </a:p>
+        </p:txBody>
+      </p:sp>
+      <p:sp>
+        <p:nvSpPr>
+          <p:cNvPr id="18" name="Textfeld 17"/>
+          <p:cNvSpPr txBox="1"/>
+          <p:nvPr/>
+        </p:nvSpPr>
+        <p:spPr>
+          <a:xfrm>
+            <a:off x="1844824" y="3392332"/>
+            <a:ext cx="737775" cy="307777"/>
+          </a:xfrm>
+          <a:prstGeom prst="rect">
+            <a:avLst/>
+          </a:prstGeom>
+          <a:noFill/>
+        </p:spPr>
+        <p:txBody>
+          <a:bodyPr wrap="square" rtlCol="0">
+            <a:spAutoFit/>
+          </a:bodyPr>
+          <a:lstStyle/>
+          <a:p>
+            <a:r>
+              <a:rPr lang="de-DE" sz="1400" dirty="0" smtClean="0">
+                <a:solidFill>
+                  <a:srgbClr val="FF0000"/>
+                </a:solidFill>
+              </a:rPr>
+              <a:t>90%</a:t>
+            </a:r>
+            <a:endParaRPr lang="en-US" sz="1400" dirty="0">
+              <a:solidFill>
+                <a:srgbClr val="FF0000"/>
+              </a:solidFill>
+            </a:endParaRPr>
+          </a:p>
+        </p:txBody>
+      </p:sp>
+      <p:sp>
+        <p:nvSpPr>
+          <p:cNvPr id="19" name="Textfeld 18"/>
+          <p:cNvSpPr txBox="1"/>
+          <p:nvPr/>
+        </p:nvSpPr>
+        <p:spPr>
+          <a:xfrm>
+            <a:off x="1790347" y="2980029"/>
+            <a:ext cx="1028306" cy="307777"/>
+          </a:xfrm>
+          <a:prstGeom prst="rect">
+            <a:avLst/>
+          </a:prstGeom>
+          <a:noFill/>
+        </p:spPr>
+        <p:txBody>
+          <a:bodyPr wrap="square" rtlCol="0">
+            <a:spAutoFit/>
+          </a:bodyPr>
+          <a:lstStyle/>
+          <a:p>
+            <a:r>
+              <a:rPr lang="de-DE" sz="1400" dirty="0" smtClean="0">
+                <a:solidFill>
+                  <a:srgbClr val="FF0000"/>
+                </a:solidFill>
+              </a:rPr>
+              <a:t>100%</a:t>
+            </a:r>
+            <a:endParaRPr lang="en-US" sz="1400" dirty="0">
+              <a:solidFill>
+                <a:srgbClr val="FF0000"/>
+              </a:solidFill>
+            </a:endParaRPr>
+          </a:p>
+        </p:txBody>
+      </p:sp>
+    </p:spTree>
+    <p:extLst>
+      <p:ext uri="{BB962C8B-B14F-4D97-AF65-F5344CB8AC3E}">
+        <p14:creationId xmlns:p14="http://schemas.microsoft.com/office/powerpoint/2010/main" val="1485432784"/>
+      </p:ext>
+    </p:extLst>
+  </p:cSld>
+  <p:clrMapOvr>
+    <a:masterClrMapping/>
+  </p:clrMapOvr>
+</p:sld>
+</file>
+
 <file path=ppt/slides/slide3.xml><?xml version="1.0" encoding="utf-8"?>
 <p:sld xmlns:a="http://schemas.openxmlformats.org/drawingml/2006/main" xmlns:r="http://schemas.openxmlformats.org/officeDocument/2006/relationships" xmlns:p="http://schemas.openxmlformats.org/presentationml/2006/main">
   <p:cSld>
@@ -7297,7 +7981,19 @@
             </a:r>
             <a:r>
               <a:rPr lang="en-US" sz="1600" dirty="0"/>
-              <a:t>: it is the main framework class. It is not meant to be changed when creating a new tool. It contains methods for GUI creation and user input callback catching and their distribution.</a:t>
+              <a:t>: it is the main </a:t>
+            </a:r>
+            <a:r>
+              <a:rPr lang="en-US" sz="1600"/>
+              <a:t>framework </a:t>
+            </a:r>
+            <a:r>
+              <a:rPr lang="en-US" sz="1600" smtClean="0"/>
+              <a:t>class. </a:t>
+            </a:r>
+            <a:r>
+              <a:rPr lang="en-US" sz="1600" dirty="0"/>
+              <a:t>It is not meant to be changed when creating a new tool. It contains methods for GUI creation and user input callback catching and their distribution.</a:t>
             </a:r>
           </a:p>
           <a:p>
@@ -7776,7 +8472,7 @@
         </p:blipFill>
         <p:spPr bwMode="auto">
           <a:xfrm>
-            <a:off x="1196752" y="1784648"/>
+            <a:off x="1192890" y="1496616"/>
             <a:ext cx="4530380" cy="6868641"/>
           </a:xfrm>
           <a:prstGeom prst="rect">
@@ -7807,6 +8503,52 @@
           </a:extLst>
         </p:spPr>
       </p:pic>
+      <p:sp>
+        <p:nvSpPr>
+          <p:cNvPr id="4" name="Textfeld 3"/>
+          <p:cNvSpPr txBox="1"/>
+          <p:nvPr/>
+        </p:nvSpPr>
+        <p:spPr>
+          <a:xfrm>
+            <a:off x="237716" y="8430834"/>
+            <a:ext cx="6336704" cy="584775"/>
+          </a:xfrm>
+          <a:prstGeom prst="rect">
+            <a:avLst/>
+          </a:prstGeom>
+          <a:noFill/>
+        </p:spPr>
+        <p:txBody>
+          <a:bodyPr wrap="square" rtlCol="0">
+            <a:spAutoFit/>
+          </a:bodyPr>
+          <a:lstStyle/>
+          <a:p>
+            <a:r>
+              <a:rPr lang="en-US" sz="1600" smtClean="0"/>
+              <a:t>To start the Dicomflex from the Matlab console type </a:t>
+            </a:r>
+            <a:r>
+              <a:rPr lang="en-US" sz="1600" smtClean="0">
+                <a:solidFill>
+                  <a:srgbClr val="7030A0"/>
+                </a:solidFill>
+              </a:rPr>
+              <a:t>cControl</a:t>
+            </a:r>
+            <a:r>
+              <a:rPr lang="en-US" sz="1600"/>
+              <a:t> </a:t>
+            </a:r>
+            <a:r>
+              <a:rPr lang="en-US" sz="1600" smtClean="0"/>
+              <a:t>to create a cControl instance.</a:t>
+            </a:r>
+            <a:endParaRPr lang="en-US" sz="1600" dirty="0"/>
+          </a:p>
+        </p:txBody>
+      </p:sp>
     </p:spTree>
     <p:extLst>
       <p:ext uri="{BB962C8B-B14F-4D97-AF65-F5344CB8AC3E}">

--- a/Documentation/Dokumentation.pptx
+++ b/Documentation/Dokumentation.pptx
@@ -321,9 +321,9 @@
           <a:p>
             <a:fld id="{1BA50D42-C9CD-4801-B293-61D1F53EC57E}" type="datetimeFigureOut">
               <a:rPr lang="de-DE" smtClean="0"/>
-              <a:t>02.05.2018</a:t>
+              <a:t>14.06.2018</a:t>
             </a:fld>
-            <a:endParaRPr lang="de-DE"/>
+            <a:endParaRPr lang="de-DE" dirty="0"/>
           </a:p>
         </p:txBody>
       </p:sp>
@@ -342,7 +342,7 @@
           <a:bodyPr/>
           <a:lstStyle/>
           <a:p>
-            <a:endParaRPr lang="de-DE"/>
+            <a:endParaRPr lang="de-DE" dirty="0"/>
           </a:p>
         </p:txBody>
       </p:sp>
@@ -365,7 +365,7 @@
               <a:rPr lang="de-DE" smtClean="0"/>
               <a:t>‹Nr.›</a:t>
             </a:fld>
-            <a:endParaRPr lang="de-DE"/>
+            <a:endParaRPr lang="de-DE" dirty="0"/>
           </a:p>
         </p:txBody>
       </p:sp>
@@ -484,9 +484,9 @@
           <a:p>
             <a:fld id="{1BA50D42-C9CD-4801-B293-61D1F53EC57E}" type="datetimeFigureOut">
               <a:rPr lang="de-DE" smtClean="0"/>
-              <a:t>02.05.2018</a:t>
+              <a:t>14.06.2018</a:t>
             </a:fld>
-            <a:endParaRPr lang="de-DE"/>
+            <a:endParaRPr lang="de-DE" dirty="0"/>
           </a:p>
         </p:txBody>
       </p:sp>
@@ -505,7 +505,7 @@
           <a:bodyPr/>
           <a:lstStyle/>
           <a:p>
-            <a:endParaRPr lang="de-DE"/>
+            <a:endParaRPr lang="de-DE" dirty="0"/>
           </a:p>
         </p:txBody>
       </p:sp>
@@ -528,7 +528,7 @@
               <a:rPr lang="de-DE" smtClean="0"/>
               <a:t>‹Nr.›</a:t>
             </a:fld>
-            <a:endParaRPr lang="de-DE"/>
+            <a:endParaRPr lang="de-DE" dirty="0"/>
           </a:p>
         </p:txBody>
       </p:sp>
@@ -657,9 +657,9 @@
           <a:p>
             <a:fld id="{1BA50D42-C9CD-4801-B293-61D1F53EC57E}" type="datetimeFigureOut">
               <a:rPr lang="de-DE" smtClean="0"/>
-              <a:t>02.05.2018</a:t>
+              <a:t>14.06.2018</a:t>
             </a:fld>
-            <a:endParaRPr lang="de-DE"/>
+            <a:endParaRPr lang="de-DE" dirty="0"/>
           </a:p>
         </p:txBody>
       </p:sp>
@@ -678,7 +678,7 @@
           <a:bodyPr/>
           <a:lstStyle/>
           <a:p>
-            <a:endParaRPr lang="de-DE"/>
+            <a:endParaRPr lang="de-DE" dirty="0"/>
           </a:p>
         </p:txBody>
       </p:sp>
@@ -701,7 +701,7 @@
               <a:rPr lang="de-DE" smtClean="0"/>
               <a:t>‹Nr.›</a:t>
             </a:fld>
-            <a:endParaRPr lang="de-DE"/>
+            <a:endParaRPr lang="de-DE" dirty="0"/>
           </a:p>
         </p:txBody>
       </p:sp>
@@ -783,9 +783,9 @@
           <a:p>
             <a:fld id="{1BA50D42-C9CD-4801-B293-61D1F53EC57E}" type="datetimeFigureOut">
               <a:rPr lang="de-DE" smtClean="0"/>
-              <a:t>02.05.2018</a:t>
+              <a:t>14.06.2018</a:t>
             </a:fld>
-            <a:endParaRPr lang="de-DE"/>
+            <a:endParaRPr lang="de-DE" dirty="0"/>
           </a:p>
         </p:txBody>
       </p:sp>
@@ -804,7 +804,7 @@
           <a:bodyPr/>
           <a:lstStyle/>
           <a:p>
-            <a:endParaRPr lang="de-DE"/>
+            <a:endParaRPr lang="de-DE" dirty="0"/>
           </a:p>
         </p:txBody>
       </p:sp>
@@ -827,7 +827,7 @@
               <a:rPr lang="de-DE" smtClean="0"/>
               <a:t>‹Nr.›</a:t>
             </a:fld>
-            <a:endParaRPr lang="de-DE"/>
+            <a:endParaRPr lang="de-DE" dirty="0"/>
           </a:p>
         </p:txBody>
       </p:sp>
@@ -1023,9 +1023,9 @@
           <a:p>
             <a:fld id="{1BA50D42-C9CD-4801-B293-61D1F53EC57E}" type="datetimeFigureOut">
               <a:rPr lang="de-DE" smtClean="0"/>
-              <a:t>02.05.2018</a:t>
+              <a:t>14.06.2018</a:t>
             </a:fld>
-            <a:endParaRPr lang="de-DE"/>
+            <a:endParaRPr lang="de-DE" dirty="0"/>
           </a:p>
         </p:txBody>
       </p:sp>
@@ -1044,7 +1044,7 @@
           <a:bodyPr/>
           <a:lstStyle/>
           <a:p>
-            <a:endParaRPr lang="de-DE"/>
+            <a:endParaRPr lang="de-DE" dirty="0"/>
           </a:p>
         </p:txBody>
       </p:sp>
@@ -1067,7 +1067,7 @@
               <a:rPr lang="de-DE" smtClean="0"/>
               <a:t>‹Nr.›</a:t>
             </a:fld>
-            <a:endParaRPr lang="de-DE"/>
+            <a:endParaRPr lang="de-DE" dirty="0"/>
           </a:p>
         </p:txBody>
       </p:sp>
@@ -1303,9 +1303,9 @@
           <a:p>
             <a:fld id="{1BA50D42-C9CD-4801-B293-61D1F53EC57E}" type="datetimeFigureOut">
               <a:rPr lang="de-DE" smtClean="0"/>
-              <a:t>02.05.2018</a:t>
+              <a:t>14.06.2018</a:t>
             </a:fld>
-            <a:endParaRPr lang="de-DE"/>
+            <a:endParaRPr lang="de-DE" dirty="0"/>
           </a:p>
         </p:txBody>
       </p:sp>
@@ -1324,7 +1324,7 @@
           <a:bodyPr/>
           <a:lstStyle/>
           <a:p>
-            <a:endParaRPr lang="de-DE"/>
+            <a:endParaRPr lang="de-DE" dirty="0"/>
           </a:p>
         </p:txBody>
       </p:sp>
@@ -1347,7 +1347,7 @@
               <a:rPr lang="de-DE" smtClean="0"/>
               <a:t>‹Nr.›</a:t>
             </a:fld>
-            <a:endParaRPr lang="de-DE"/>
+            <a:endParaRPr lang="de-DE" dirty="0"/>
           </a:p>
         </p:txBody>
       </p:sp>
@@ -1717,9 +1717,9 @@
           <a:p>
             <a:fld id="{1BA50D42-C9CD-4801-B293-61D1F53EC57E}" type="datetimeFigureOut">
               <a:rPr lang="de-DE" smtClean="0"/>
-              <a:t>02.05.2018</a:t>
+              <a:t>14.06.2018</a:t>
             </a:fld>
-            <a:endParaRPr lang="de-DE"/>
+            <a:endParaRPr lang="de-DE" dirty="0"/>
           </a:p>
         </p:txBody>
       </p:sp>
@@ -1738,7 +1738,7 @@
           <a:bodyPr/>
           <a:lstStyle/>
           <a:p>
-            <a:endParaRPr lang="de-DE"/>
+            <a:endParaRPr lang="de-DE" dirty="0"/>
           </a:p>
         </p:txBody>
       </p:sp>
@@ -1761,7 +1761,7 @@
               <a:rPr lang="de-DE" smtClean="0"/>
               <a:t>‹Nr.›</a:t>
             </a:fld>
-            <a:endParaRPr lang="de-DE"/>
+            <a:endParaRPr lang="de-DE" dirty="0"/>
           </a:p>
         </p:txBody>
       </p:sp>
@@ -1829,9 +1829,9 @@
           <a:p>
             <a:fld id="{1BA50D42-C9CD-4801-B293-61D1F53EC57E}" type="datetimeFigureOut">
               <a:rPr lang="de-DE" smtClean="0"/>
-              <a:t>02.05.2018</a:t>
+              <a:t>14.06.2018</a:t>
             </a:fld>
-            <a:endParaRPr lang="de-DE"/>
+            <a:endParaRPr lang="de-DE" dirty="0"/>
           </a:p>
         </p:txBody>
       </p:sp>
@@ -1850,7 +1850,7 @@
           <a:bodyPr/>
           <a:lstStyle/>
           <a:p>
-            <a:endParaRPr lang="de-DE"/>
+            <a:endParaRPr lang="de-DE" dirty="0"/>
           </a:p>
         </p:txBody>
       </p:sp>
@@ -1873,7 +1873,7 @@
               <a:rPr lang="de-DE" smtClean="0"/>
               <a:t>‹Nr.›</a:t>
             </a:fld>
-            <a:endParaRPr lang="de-DE"/>
+            <a:endParaRPr lang="de-DE" dirty="0"/>
           </a:p>
         </p:txBody>
       </p:sp>
@@ -1919,9 +1919,9 @@
           <a:p>
             <a:fld id="{1BA50D42-C9CD-4801-B293-61D1F53EC57E}" type="datetimeFigureOut">
               <a:rPr lang="de-DE" smtClean="0"/>
-              <a:t>02.05.2018</a:t>
+              <a:t>14.06.2018</a:t>
             </a:fld>
-            <a:endParaRPr lang="de-DE"/>
+            <a:endParaRPr lang="de-DE" dirty="0"/>
           </a:p>
         </p:txBody>
       </p:sp>
@@ -1940,7 +1940,7 @@
           <a:bodyPr/>
           <a:lstStyle/>
           <a:p>
-            <a:endParaRPr lang="de-DE"/>
+            <a:endParaRPr lang="de-DE" dirty="0"/>
           </a:p>
         </p:txBody>
       </p:sp>
@@ -1963,7 +1963,7 @@
               <a:rPr lang="de-DE" smtClean="0"/>
               <a:t>‹Nr.›</a:t>
             </a:fld>
-            <a:endParaRPr lang="de-DE"/>
+            <a:endParaRPr lang="de-DE" dirty="0"/>
           </a:p>
         </p:txBody>
       </p:sp>
@@ -2189,9 +2189,9 @@
           <a:p>
             <a:fld id="{1BA50D42-C9CD-4801-B293-61D1F53EC57E}" type="datetimeFigureOut">
               <a:rPr lang="de-DE" smtClean="0"/>
-              <a:t>02.05.2018</a:t>
+              <a:t>14.06.2018</a:t>
             </a:fld>
-            <a:endParaRPr lang="de-DE"/>
+            <a:endParaRPr lang="de-DE" dirty="0"/>
           </a:p>
         </p:txBody>
       </p:sp>
@@ -2210,7 +2210,7 @@
           <a:bodyPr/>
           <a:lstStyle/>
           <a:p>
-            <a:endParaRPr lang="de-DE"/>
+            <a:endParaRPr lang="de-DE" dirty="0"/>
           </a:p>
         </p:txBody>
       </p:sp>
@@ -2233,7 +2233,7 @@
               <a:rPr lang="de-DE" smtClean="0"/>
               <a:t>‹Nr.›</a:t>
             </a:fld>
-            <a:endParaRPr lang="de-DE"/>
+            <a:endParaRPr lang="de-DE" dirty="0"/>
           </a:p>
         </p:txBody>
       </p:sp>
@@ -2350,7 +2350,7 @@
             </a:lvl9pPr>
           </a:lstStyle>
           <a:p>
-            <a:endParaRPr lang="de-DE"/>
+            <a:endParaRPr lang="de-DE" dirty="0"/>
           </a:p>
         </p:txBody>
       </p:sp>
@@ -2436,9 +2436,9 @@
           <a:p>
             <a:fld id="{1BA50D42-C9CD-4801-B293-61D1F53EC57E}" type="datetimeFigureOut">
               <a:rPr lang="de-DE" smtClean="0"/>
-              <a:t>02.05.2018</a:t>
+              <a:t>14.06.2018</a:t>
             </a:fld>
-            <a:endParaRPr lang="de-DE"/>
+            <a:endParaRPr lang="de-DE" dirty="0"/>
           </a:p>
         </p:txBody>
       </p:sp>
@@ -2457,7 +2457,7 @@
           <a:bodyPr/>
           <a:lstStyle/>
           <a:p>
-            <a:endParaRPr lang="de-DE"/>
+            <a:endParaRPr lang="de-DE" dirty="0"/>
           </a:p>
         </p:txBody>
       </p:sp>
@@ -2480,7 +2480,7 @@
               <a:rPr lang="de-DE" smtClean="0"/>
               <a:t>‹Nr.›</a:t>
             </a:fld>
-            <a:endParaRPr lang="de-DE"/>
+            <a:endParaRPr lang="de-DE" dirty="0"/>
           </a:p>
         </p:txBody>
       </p:sp>
@@ -2642,9 +2642,9 @@
           <a:p>
             <a:fld id="{1BA50D42-C9CD-4801-B293-61D1F53EC57E}" type="datetimeFigureOut">
               <a:rPr lang="de-DE" smtClean="0"/>
-              <a:t>02.05.2018</a:t>
+              <a:t>14.06.2018</a:t>
             </a:fld>
-            <a:endParaRPr lang="de-DE"/>
+            <a:endParaRPr lang="de-DE" dirty="0"/>
           </a:p>
         </p:txBody>
       </p:sp>
@@ -2681,7 +2681,7 @@
             </a:lvl1pPr>
           </a:lstStyle>
           <a:p>
-            <a:endParaRPr lang="de-DE"/>
+            <a:endParaRPr lang="de-DE" dirty="0"/>
           </a:p>
         </p:txBody>
       </p:sp>
@@ -2722,7 +2722,7 @@
               <a:rPr lang="de-DE" smtClean="0"/>
               <a:t>‹Nr.›</a:t>
             </a:fld>
-            <a:endParaRPr lang="de-DE"/>
+            <a:endParaRPr lang="de-DE" dirty="0"/>
           </a:p>
         </p:txBody>
       </p:sp>
@@ -3021,7 +3021,7 @@
         <p:spPr>
           <a:xfrm>
             <a:off x="190960" y="1136576"/>
-            <a:ext cx="6480720" cy="8771632"/>
+            <a:ext cx="6480720" cy="9264075"/>
           </a:xfrm>
           <a:prstGeom prst="rect">
             <a:avLst/>
@@ -3046,12 +3046,16 @@
               <a:t>It is a </a:t>
             </a:r>
             <a:r>
-              <a:rPr lang="en-US" sz="1600" dirty="0" err="1" smtClean="0"/>
-              <a:t>Matlab</a:t>
-            </a:r>
-            <a:r>
-              <a:rPr lang="en-US" sz="1600" dirty="0" smtClean="0"/>
-              <a:t> based software template focusing on the creation of tools for systematic, similar image processing of image stacks (e.g.: CT, MRI, …). </a:t>
+              <a:rPr lang="en-US" sz="1600" smtClean="0"/>
+              <a:t>Matlab </a:t>
+            </a:r>
+            <a:r>
+              <a:rPr lang="en-US" sz="1600" smtClean="0"/>
+              <a:t>(R2016b) based </a:t>
+            </a:r>
+            <a:r>
+              <a:rPr lang="en-US" sz="1600" dirty="0" smtClean="0"/>
+              <a:t>software template focusing on the creation of tools for systematic, similar image processing of image stacks (e.g.: CT, MRI, …). </a:t>
             </a:r>
           </a:p>
           <a:p>
@@ -3070,15 +3074,7 @@
             </a:pPr>
             <a:r>
               <a:rPr lang="en-US" sz="1600" dirty="0" smtClean="0"/>
-              <a:t>quick creation and high grade of freedom in defining user input, image processing and result generation (</a:t>
-            </a:r>
-            <a:r>
-              <a:rPr lang="en-US" sz="1600" dirty="0" err="1" smtClean="0"/>
-              <a:t>Xls</a:t>
-            </a:r>
-            <a:r>
-              <a:rPr lang="en-US" sz="1600" dirty="0" smtClean="0"/>
-              <a:t>, etc.).</a:t>
+              <a:t>quick creation and high grade of freedom in defining user input, image processing and result generation (Xls, etc.).</a:t>
             </a:r>
           </a:p>
           <a:p>
@@ -3088,15 +3084,7 @@
             </a:pPr>
             <a:r>
               <a:rPr lang="en-US" sz="1600" dirty="0" smtClean="0"/>
-              <a:t>similar appearance (</a:t>
-            </a:r>
-            <a:r>
-              <a:rPr lang="en-US" sz="1600" dirty="0" err="1" smtClean="0"/>
-              <a:t>Gui</a:t>
-            </a:r>
-            <a:r>
-              <a:rPr lang="en-US" sz="1600" dirty="0" smtClean="0"/>
-              <a:t>) of developed tools</a:t>
+              <a:t>similar appearance (Gui) of developed tools</a:t>
             </a:r>
           </a:p>
           <a:p>
@@ -3111,7 +3099,7 @@
               <a:buChar char="•"/>
             </a:pPr>
             <a:r>
-              <a:rPr lang="en-US" sz="1600" dirty="0" smtClean="0"/>
+              <a:rPr lang="en-US" sz="1600" smtClean="0"/>
               <a:t>undo</a:t>
             </a:r>
           </a:p>
@@ -3121,8 +3109,8 @@
               <a:buChar char="•"/>
             </a:pPr>
             <a:r>
-              <a:rPr lang="en-US" sz="1600" dirty="0" smtClean="0"/>
-              <a:t>image zoom</a:t>
+              <a:rPr lang="de-DE" sz="1600" smtClean="0"/>
+              <a:t>contour tracking </a:t>
             </a:r>
           </a:p>
           <a:p>
@@ -3131,8 +3119,12 @@
               <a:buChar char="•"/>
             </a:pPr>
             <a:r>
-              <a:rPr lang="en-US" sz="1600" dirty="0" smtClean="0"/>
-              <a:t>segmentation methods</a:t>
+              <a:rPr lang="en-US" sz="1600" smtClean="0"/>
+              <a:t>image </a:t>
+            </a:r>
+            <a:r>
+              <a:rPr lang="en-US" sz="1600" dirty="0" smtClean="0"/>
+              <a:t>zoom</a:t>
             </a:r>
           </a:p>
           <a:p>
@@ -3142,7 +3134,7 @@
             </a:pPr>
             <a:r>
               <a:rPr lang="en-US" sz="1600" dirty="0" smtClean="0"/>
-              <a:t>curve fitting methods</a:t>
+              <a:t>segmentation methods</a:t>
             </a:r>
           </a:p>
           <a:p>
@@ -3152,7 +3144,7 @@
             </a:pPr>
             <a:r>
               <a:rPr lang="en-US" sz="1600" dirty="0" smtClean="0"/>
-              <a:t>systematic version handling to update session files</a:t>
+              <a:t>curve fitting methods</a:t>
             </a:r>
           </a:p>
           <a:p>
@@ -3162,62 +3154,7 @@
             </a:pPr>
             <a:r>
               <a:rPr lang="en-US" sz="1600" dirty="0" smtClean="0"/>
-              <a:t>automatic session saving</a:t>
-            </a:r>
-          </a:p>
-          <a:p>
-            <a:endParaRPr lang="en-US" sz="1600" dirty="0" smtClean="0"/>
-          </a:p>
-          <a:p>
-            <a:pPr algn="just"/>
-            <a:r>
-              <a:rPr lang="en-US" sz="1600" dirty="0" smtClean="0"/>
-              <a:t>Image processing functions are not the focus of the framework itself. However, processing libraries or regular </a:t>
-            </a:r>
-            <a:r>
-              <a:rPr lang="en-US" sz="1600" dirty="0" err="1" smtClean="0"/>
-              <a:t>Matlab</a:t>
-            </a:r>
-            <a:r>
-              <a:rPr lang="en-US" sz="1600" dirty="0" smtClean="0"/>
-              <a:t> functions can be used to realize processing needs.</a:t>
-            </a:r>
-          </a:p>
-          <a:p>
-            <a:endParaRPr lang="en-US" sz="2000" dirty="0" smtClean="0"/>
-          </a:p>
-          <a:p>
-            <a:r>
-              <a:rPr lang="en-US" sz="2000" dirty="0" smtClean="0"/>
-              <a:t>Content:</a:t>
-            </a:r>
-          </a:p>
-          <a:p>
-            <a:pPr algn="just"/>
-            <a:r>
-              <a:rPr lang="en-US" sz="1600" dirty="0" smtClean="0"/>
-              <a:t>The framework consists of a predefined, yet adaptable GUI, which is similar for every developed tool. Menu bar may be modified as well as GUI element callback methods. A simple class hierarchy and two configuration files separate clearly between framework and application specific parts of the </a:t>
-            </a:r>
-            <a:r>
-              <a:rPr lang="en-US" sz="1600" dirty="0" err="1" smtClean="0"/>
-              <a:t>Dicomflex</a:t>
-            </a:r>
-            <a:r>
-              <a:rPr lang="en-US" sz="1600" dirty="0" smtClean="0"/>
-              <a:t>.</a:t>
-            </a:r>
-          </a:p>
-          <a:p>
-            <a:endParaRPr lang="en-US" sz="2000" dirty="0" smtClean="0"/>
-          </a:p>
-          <a:p>
-            <a:r>
-              <a:rPr lang="en-US" sz="2000" dirty="0" err="1" smtClean="0"/>
-              <a:t>Adresses</a:t>
-            </a:r>
-            <a:r>
-              <a:rPr lang="en-US" sz="2000" dirty="0" smtClean="0"/>
-              <a:t> to people that:</a:t>
+              <a:t>systematic version handling to update session files</a:t>
             </a:r>
           </a:p>
           <a:p>
@@ -3227,15 +3164,52 @@
             </a:pPr>
             <a:r>
               <a:rPr lang="en-US" sz="1600" dirty="0" smtClean="0"/>
-              <a:t>have little to medium </a:t>
-            </a:r>
-            <a:r>
-              <a:rPr lang="en-US" sz="1600" dirty="0" err="1" smtClean="0"/>
-              <a:t>Matlab</a:t>
-            </a:r>
-            <a:r>
-              <a:rPr lang="en-US" sz="1600" dirty="0" smtClean="0"/>
-              <a:t> knowledge</a:t>
+              <a:t>automatic session saving</a:t>
+            </a:r>
+          </a:p>
+          <a:p>
+            <a:endParaRPr lang="en-US" sz="1600" dirty="0" smtClean="0"/>
+          </a:p>
+          <a:p>
+            <a:pPr algn="just"/>
+            <a:r>
+              <a:rPr lang="en-US" sz="1600" dirty="0" smtClean="0"/>
+              <a:t>Image processing functions are not the focus of the framework itself. However, processing libraries or regular Matlab functions can be used to realize processing needs.</a:t>
+            </a:r>
+          </a:p>
+          <a:p>
+            <a:endParaRPr lang="en-US" sz="2000" dirty="0" smtClean="0"/>
+          </a:p>
+          <a:p>
+            <a:r>
+              <a:rPr lang="en-US" sz="2000" dirty="0" smtClean="0"/>
+              <a:t>Content:</a:t>
+            </a:r>
+          </a:p>
+          <a:p>
+            <a:pPr algn="just"/>
+            <a:r>
+              <a:rPr lang="en-US" sz="1600" dirty="0" smtClean="0"/>
+              <a:t>The framework consists of a predefined, yet adaptable GUI, which is similar for every developed tool. Menu bar may be modified as well as GUI element callback methods. A simple class hierarchy and two configuration files separate clearly between framework and application specific parts of the Dicomflex.</a:t>
+            </a:r>
+          </a:p>
+          <a:p>
+            <a:endParaRPr lang="en-US" sz="2000" dirty="0" smtClean="0"/>
+          </a:p>
+          <a:p>
+            <a:r>
+              <a:rPr lang="en-US" sz="2000" dirty="0" smtClean="0"/>
+              <a:t>Addresses to people that:</a:t>
+            </a:r>
+          </a:p>
+          <a:p>
+            <a:pPr marL="342900" indent="-342900">
+              <a:buFont typeface="Arial" panose="020B0604020202020204" pitchFamily="34" charset="0"/>
+              <a:buChar char="•"/>
+            </a:pPr>
+            <a:r>
+              <a:rPr lang="en-US" sz="1600" dirty="0" smtClean="0"/>
+              <a:t>have little to medium Matlab knowledge</a:t>
             </a:r>
           </a:p>
           <a:p>
@@ -3283,18 +3257,19 @@
             <p:ph type="title"/>
           </p:nvPr>
         </p:nvSpPr>
-        <p:spPr/>
+        <p:spPr>
+          <a:xfrm>
+            <a:off x="6491" y="7115"/>
+            <a:ext cx="6172200" cy="985445"/>
+          </a:xfrm>
+        </p:spPr>
         <p:txBody>
           <a:bodyPr/>
           <a:lstStyle/>
           <a:p>
             <a:r>
               <a:rPr lang="de-DE" dirty="0"/>
-              <a:t>The </a:t>
-            </a:r>
-            <a:r>
-              <a:rPr lang="de-DE" dirty="0" err="1"/>
-              <a:t>Dicomflex</a:t>
+              <a:t>The Dicomflex</a:t>
             </a:r>
             <a:endParaRPr lang="en-US" dirty="0"/>
           </a:p>
@@ -3351,22 +3326,22 @@
           <a:lstStyle/>
           <a:p>
             <a:r>
-              <a:rPr lang="de-DE"/>
+              <a:rPr lang="de-DE" dirty="0"/>
               <a:t>Software </a:t>
             </a:r>
             <a:r>
-              <a:rPr lang="de-DE" smtClean="0"/>
+              <a:rPr lang="de-DE" dirty="0" smtClean="0"/>
               <a:t>Workflow</a:t>
             </a:r>
             <a:r>
-              <a:rPr lang="de-DE" sz="2400"/>
+              <a:rPr lang="de-DE" sz="2400" dirty="0"/>
               <a:t/>
             </a:r>
             <a:br>
-              <a:rPr lang="de-DE" sz="2400"/>
+              <a:rPr lang="de-DE" sz="2400" dirty="0"/>
             </a:br>
             <a:r>
-              <a:rPr lang="de-DE" sz="2400" smtClean="0"/>
+              <a:rPr lang="de-DE" sz="2400" dirty="0" smtClean="0"/>
               <a:t>GraphUpdate</a:t>
             </a:r>
             <a:r>
@@ -3418,39 +3393,7 @@
             <a:pPr algn="just"/>
             <a:r>
               <a:rPr lang="en-US" sz="1600" dirty="0" smtClean="0"/>
-              <a:t>The graph update is commonly called by the GUI update routine from </a:t>
-            </a:r>
-            <a:r>
-              <a:rPr lang="en-US" sz="1600" dirty="0" err="1" smtClean="0"/>
-              <a:t>cControl.mTableCellSelect</a:t>
-            </a:r>
-            <a:r>
-              <a:rPr lang="en-US" sz="1600" dirty="0" smtClean="0"/>
-              <a:t>. It is directly forwarded by the </a:t>
-            </a:r>
-            <a:r>
-              <a:rPr lang="en-US" sz="1600" dirty="0" err="1" smtClean="0"/>
-              <a:t>cControl</a:t>
-            </a:r>
-            <a:r>
-              <a:rPr lang="en-US" sz="1600" dirty="0" smtClean="0"/>
-              <a:t> to the </a:t>
-            </a:r>
-            <a:r>
-              <a:rPr lang="en-US" sz="1600" dirty="0" err="1" smtClean="0"/>
-              <a:t>cControl</a:t>
-            </a:r>
-            <a:r>
-              <a:rPr lang="en-US" sz="1600" dirty="0" smtClean="0"/>
-              <a:t>-app method </a:t>
-            </a:r>
-            <a:r>
-              <a:rPr lang="en-US" sz="1600" dirty="0" err="1" smtClean="0"/>
-              <a:t>mDrawGraph</a:t>
-            </a:r>
-            <a:r>
-              <a:rPr lang="en-US" sz="1600" dirty="0" smtClean="0"/>
-              <a:t>.</a:t>
+              <a:t>The graph update is commonly called by the GUI update routine from cControl.mTableCellSelect. It is directly forwarded by the cControl to the cControl-app method mDrawGraph.</a:t>
             </a:r>
             <a:endParaRPr lang="en-US" sz="1600" dirty="0"/>
           </a:p>
@@ -3561,22 +3504,22 @@
           <a:lstStyle/>
           <a:p>
             <a:r>
-              <a:rPr lang="de-DE"/>
+              <a:rPr lang="de-DE" dirty="0"/>
               <a:t>Software </a:t>
             </a:r>
             <a:r>
-              <a:rPr lang="de-DE" smtClean="0"/>
+              <a:rPr lang="de-DE" dirty="0" smtClean="0"/>
               <a:t>Workflow</a:t>
             </a:r>
             <a:r>
-              <a:rPr lang="de-DE" sz="2400"/>
+              <a:rPr lang="de-DE" sz="2400" dirty="0"/>
               <a:t/>
             </a:r>
             <a:br>
-              <a:rPr lang="de-DE" sz="2400"/>
+              <a:rPr lang="de-DE" sz="2400" dirty="0"/>
             </a:br>
             <a:r>
-              <a:rPr lang="de-DE" sz="2400" smtClean="0"/>
+              <a:rPr lang="de-DE" sz="2400" dirty="0" smtClean="0"/>
               <a:t>TextUpdate</a:t>
             </a:r>
             <a:r>
@@ -3628,23 +3571,7 @@
             <a:pPr algn="just"/>
             <a:r>
               <a:rPr lang="en-US" sz="1600" dirty="0" smtClean="0"/>
-              <a:t>The text update is commonly called by the GUI update routine from </a:t>
-            </a:r>
-            <a:r>
-              <a:rPr lang="en-US" sz="1600" dirty="0" err="1" smtClean="0"/>
-              <a:t>cControl.mTableCellSelect</a:t>
-            </a:r>
-            <a:r>
-              <a:rPr lang="en-US" sz="1600" dirty="0" smtClean="0"/>
-              <a:t>. It uses only one app-specific method from the </a:t>
-            </a:r>
-            <a:r>
-              <a:rPr lang="en-US" sz="1600" dirty="0" err="1" smtClean="0"/>
-              <a:t>cCompute</a:t>
-            </a:r>
-            <a:r>
-              <a:rPr lang="en-US" sz="1600" dirty="0" smtClean="0"/>
-              <a:t>-app class to get the string to be displayed.</a:t>
+              <a:t>The text update is commonly called by the GUI update routine from cControl.mTableCellSelect. It uses only one app-specific method from the cCompute-app class to get the string to be displayed.</a:t>
             </a:r>
             <a:endParaRPr lang="en-US" sz="1600" dirty="0"/>
           </a:p>
@@ -3762,11 +3689,11 @@
               <a:rPr lang="de-DE" dirty="0"/>
             </a:br>
             <a:r>
-              <a:rPr lang="de-DE" sz="2400"/>
+              <a:rPr lang="de-DE" sz="2400" dirty="0"/>
               <a:t>Load </a:t>
             </a:r>
             <a:r>
-              <a:rPr lang="de-DE" sz="2400" smtClean="0"/>
+              <a:rPr lang="de-DE" sz="2400" dirty="0" smtClean="0"/>
               <a:t>Data</a:t>
             </a:r>
             <a:endParaRPr lang="en-US" dirty="0"/>
@@ -3803,36 +3730,8 @@
           <a:p>
             <a:pPr algn="just"/>
             <a:r>
-              <a:rPr lang="en-US" sz="1600" dirty="0" err="1" smtClean="0"/>
-              <a:t>mLoadData</a:t>
-            </a:r>
-            <a:r>
-              <a:rPr lang="en-US" sz="1600" dirty="0" smtClean="0"/>
-              <a:t> is called after program start as well after clicking the „Load data“ button of the menu bar. App-specification needs to be done in </a:t>
-            </a:r>
-            <a:r>
-              <a:rPr lang="en-US" sz="1600" dirty="0" err="1" smtClean="0"/>
-              <a:t>cCompute</a:t>
-            </a:r>
-            <a:r>
-              <a:rPr lang="en-US" sz="1600" dirty="0" smtClean="0"/>
-              <a:t>-app methods </a:t>
-            </a:r>
-            <a:r>
-              <a:rPr lang="en-US" sz="1600" dirty="0" err="1" smtClean="0"/>
-              <a:t>mGetImgPathes</a:t>
-            </a:r>
-            <a:r>
-              <a:rPr lang="en-US" sz="1600" dirty="0" smtClean="0"/>
-              <a:t> and </a:t>
-            </a:r>
-            <a:r>
-              <a:rPr lang="en-US" sz="1600" dirty="0" err="1" smtClean="0"/>
-              <a:t>mInit_oCompApp</a:t>
-            </a:r>
-            <a:r>
-              <a:rPr lang="en-US" sz="1600" dirty="0" smtClean="0"/>
-              <a:t>.</a:t>
+              <a:rPr lang="en-US" sz="1600" dirty="0" smtClean="0"/>
+              <a:t>mLoadData is called after program start as well after clicking the „Load data“ button of the menu bar. App-specification needs to be done in cCompute-app methods mGetImgPathes and mInit_oCompApp.</a:t>
             </a:r>
             <a:endParaRPr lang="en-US" sz="1600" dirty="0"/>
           </a:p>
@@ -3946,15 +3845,11 @@
               <a:rPr lang="de-DE" dirty="0"/>
               <a:t>Software Workflow</a:t>
             </a:r>
-            <a:r>
-              <a:rPr lang="de-DE"/>
-              <a:t/>
-            </a:r>
             <a:br>
-              <a:rPr lang="de-DE"/>
+              <a:rPr lang="de-DE" dirty="0"/>
             </a:br>
             <a:r>
-              <a:rPr lang="de-DE" sz="2400" smtClean="0"/>
+              <a:rPr lang="de-DE" sz="2400" dirty="0" smtClean="0"/>
               <a:t>Save Data</a:t>
             </a:r>
             <a:endParaRPr lang="en-US" dirty="0"/>
@@ -3991,60 +3886,8 @@
           <a:p>
             <a:pPr algn="just"/>
             <a:r>
-              <a:rPr lang="en-US" sz="1600" dirty="0" err="1" smtClean="0"/>
-              <a:t>mSaveData</a:t>
-            </a:r>
-            <a:r>
-              <a:rPr lang="en-US" sz="1600" dirty="0" smtClean="0"/>
-              <a:t> is called clicking the „Save data“ button of the menu bar. Automatic saving is repeatedly done after the time specified by the „</a:t>
-            </a:r>
-            <a:r>
-              <a:rPr lang="en-US" sz="1600" dirty="0" err="1" smtClean="0"/>
-              <a:t>datAutoSaveTime</a:t>
-            </a:r>
-            <a:r>
-              <a:rPr lang="en-US" sz="1600" dirty="0" smtClean="0"/>
-              <a:t>” value in the framework </a:t>
-            </a:r>
-            <a:r>
-              <a:rPr lang="en-US" sz="1600" dirty="0" err="1" smtClean="0"/>
-              <a:t>config</a:t>
-            </a:r>
-            <a:r>
-              <a:rPr lang="en-US" sz="1600" dirty="0" smtClean="0"/>
-              <a:t>. Additionally </a:t>
-            </a:r>
-            <a:r>
-              <a:rPr lang="en-US" sz="1600" dirty="0" err="1" smtClean="0"/>
-              <a:t>mSaveData</a:t>
-            </a:r>
-            <a:r>
-              <a:rPr lang="en-US" sz="1600" dirty="0" smtClean="0"/>
-              <a:t>   may be chosen when clicking x-close at the program window. App-specification needs to be done in </a:t>
-            </a:r>
-            <a:r>
-              <a:rPr lang="en-US" sz="1600" dirty="0" err="1" smtClean="0"/>
-              <a:t>cCompute</a:t>
-            </a:r>
-            <a:r>
-              <a:rPr lang="en-US" sz="1600" dirty="0" smtClean="0"/>
-              <a:t>-app methods </a:t>
-            </a:r>
-            <a:r>
-              <a:rPr lang="en-US" sz="1600" dirty="0" err="1" smtClean="0"/>
-              <a:t>mGetImgPathes</a:t>
-            </a:r>
-            <a:r>
-              <a:rPr lang="en-US" sz="1600" dirty="0" smtClean="0"/>
-              <a:t> and </a:t>
-            </a:r>
-            <a:r>
-              <a:rPr lang="en-US" sz="1600" dirty="0" err="1" smtClean="0"/>
-              <a:t>mInit_oCompApp</a:t>
-            </a:r>
-            <a:r>
-              <a:rPr lang="en-US" sz="1600" dirty="0" smtClean="0"/>
-              <a:t>.</a:t>
+              <a:rPr lang="en-US" sz="1600" dirty="0" smtClean="0"/>
+              <a:t>mSaveData is called clicking the „Save data“ button of the menu bar. Automatic saving is repeatedly done after the time specified by the „datAutoSaveTime” value in the framework config. Additionally mSaveData   may be chosen when clicking x-close at the program window. App-specification needs to be done in cCompute-app methods mGetImgPathes and mInit_oCompApp.</a:t>
             </a:r>
             <a:endParaRPr lang="en-US" sz="1600" dirty="0"/>
           </a:p>
@@ -4170,24 +4013,8 @@
               <a:rPr lang="de-DE" sz="2400" dirty="0"/>
             </a:br>
             <a:r>
-              <a:rPr lang="de-DE" sz="2400" dirty="0" err="1"/>
-              <a:t>Versionhandling</a:t>
-            </a:r>
-            <a:r>
-              <a:rPr lang="de-DE" sz="2400" dirty="0"/>
-              <a:t>/</a:t>
-            </a:r>
-            <a:r>
-              <a:rPr lang="de-DE" sz="2400" dirty="0" err="1"/>
-              <a:t>SessionFile</a:t>
-            </a:r>
-            <a:r>
-              <a:rPr lang="de-DE" sz="2400" dirty="0"/>
-              <a:t> </a:t>
-            </a:r>
-            <a:r>
               <a:rPr lang="de-DE" sz="2400" dirty="0" smtClean="0"/>
-              <a:t>Update</a:t>
+              <a:t>Version handling/SessionFile Update</a:t>
             </a:r>
             <a:endParaRPr lang="en-US" dirty="0"/>
           </a:p>
@@ -4240,7 +4067,7 @@
               <a:buChar char="•"/>
             </a:pPr>
             <a:r>
-              <a:rPr lang="en-US" sz="1600" i="1" dirty="0" err="1" smtClean="0"/>
+              <a:rPr lang="en-US" sz="1600" i="1" dirty="0" smtClean="0"/>
               <a:t>saveDate</a:t>
             </a:r>
             <a:r>
@@ -4259,31 +4086,7 @@
             </a:r>
             <a:r>
               <a:rPr lang="en-US" sz="1600" dirty="0" smtClean="0"/>
-              <a:t> 	- a </a:t>
-            </a:r>
-            <a:r>
-              <a:rPr lang="en-US" sz="1600" dirty="0" err="1" smtClean="0"/>
-              <a:t>struct</a:t>
-            </a:r>
-            <a:r>
-              <a:rPr lang="en-US" sz="1600" dirty="0" smtClean="0"/>
-              <a:t> with all class-names, their versions and the corresponding </a:t>
-            </a:r>
-            <a:r>
-              <a:rPr lang="en-US" sz="1600" dirty="0" err="1" smtClean="0"/>
-              <a:t>updateFcn</a:t>
-            </a:r>
-            <a:r>
-              <a:rPr lang="en-US" sz="1600" dirty="0" smtClean="0"/>
-              <a:t>, as well as the version numbers of the two </a:t>
-            </a:r>
-            <a:r>
-              <a:rPr lang="en-US" sz="1600" dirty="0" err="1" smtClean="0"/>
-              <a:t>config</a:t>
-            </a:r>
-            <a:r>
-              <a:rPr lang="en-US" sz="1600" dirty="0" smtClean="0"/>
-              <a:t> files.</a:t>
+              <a:t> 	- a struct with all class-names, their versions and the corresponding updateFcn, as well as the version numbers of the two config files.</a:t>
             </a:r>
           </a:p>
           <a:p>
@@ -4297,23 +4100,7 @@
             </a:r>
             <a:r>
               <a:rPr lang="en-US" sz="1600" dirty="0" smtClean="0"/>
-              <a:t> 	- a </a:t>
-            </a:r>
-            <a:r>
-              <a:rPr lang="en-US" sz="1600" dirty="0" err="1" smtClean="0"/>
-              <a:t>struct</a:t>
-            </a:r>
-            <a:r>
-              <a:rPr lang="en-US" sz="1600" dirty="0" smtClean="0"/>
-              <a:t> array containing all </a:t>
-            </a:r>
-            <a:r>
-              <a:rPr lang="en-US" sz="1600" dirty="0" err="1" smtClean="0"/>
-              <a:t>oCompute</a:t>
-            </a:r>
-            <a:r>
-              <a:rPr lang="en-US" sz="1600" dirty="0" smtClean="0"/>
-              <a:t>-app elements as they where used in the application. They are disconnected from their class definition.</a:t>
+              <a:t> 	- a struct array containing all oCompute-app elements as they where used in the application. They are disconnected from their class definition.</a:t>
             </a:r>
           </a:p>
           <a:p>
@@ -4324,67 +4111,11 @@
             <a:pPr algn="just"/>
             <a:r>
               <a:rPr lang="en-US" sz="1600" dirty="0" smtClean="0"/>
-              <a:t>When changes where made to the </a:t>
-            </a:r>
-            <a:r>
-              <a:rPr lang="en-US" sz="1600" dirty="0" err="1" smtClean="0"/>
-              <a:t>Dicomflex</a:t>
-            </a:r>
-            <a:r>
-              <a:rPr lang="en-US" sz="1600" dirty="0" smtClean="0"/>
-              <a:t> (</a:t>
-            </a:r>
-            <a:r>
-              <a:rPr lang="en-US" sz="1600" dirty="0" err="1" smtClean="0"/>
-              <a:t>cControl</a:t>
-            </a:r>
-            <a:r>
-              <a:rPr lang="en-US" sz="1600" dirty="0" smtClean="0"/>
-              <a:t>, </a:t>
-            </a:r>
-            <a:r>
-              <a:rPr lang="en-US" sz="1600" dirty="0" err="1" smtClean="0"/>
-              <a:t>cCompute</a:t>
-            </a:r>
-            <a:r>
-              <a:rPr lang="en-US" sz="1600" dirty="0" smtClean="0"/>
-              <a:t>) and</a:t>
+              <a:t>When changes where made to the Dicomflex (cControl, cCompute) and</a:t>
             </a:r>
             <a:r>
               <a:rPr lang="en-US" sz="1600" dirty="0"/>
-              <a:t>/or any application (</a:t>
-            </a:r>
-            <a:r>
-              <a:rPr lang="en-US" sz="1600" dirty="0" err="1"/>
-              <a:t>cCompute</a:t>
-            </a:r>
-            <a:r>
-              <a:rPr lang="en-US" sz="1600" dirty="0"/>
-              <a:t>-app) prior session files saved with a </a:t>
-            </a:r>
-            <a:r>
-              <a:rPr lang="en-US" sz="1600" dirty="0" err="1"/>
-              <a:t>Dicomflex</a:t>
-            </a:r>
-            <a:r>
-              <a:rPr lang="en-US" sz="1600" dirty="0"/>
-              <a:t> application might not be loadable. To overcome this, we chose the following handling of session files: If loading a session file in the </a:t>
-            </a:r>
-            <a:r>
-              <a:rPr lang="en-US" sz="1600" dirty="0" err="1"/>
-              <a:t>cCompute.mInit_oComp</a:t>
-            </a:r>
-            <a:r>
-              <a:rPr lang="en-US" sz="1600" dirty="0"/>
-              <a:t>, the update to current version is called by </a:t>
-            </a:r>
-            <a:r>
-              <a:rPr lang="en-US" sz="1600" dirty="0" err="1">
-                <a:solidFill>
-                  <a:srgbClr val="7030A0"/>
-                </a:solidFill>
-              </a:rPr>
-              <a:t>oComp</a:t>
+              <a:t>/or any application (cCompute-app) prior session files saved with a Dicomflex application might not be loadable. To overcome this, we chose the following handling of session files: If loading a session file in the cCompute.mInit_oComp, the update to current version is called by </a:t>
             </a:r>
             <a:r>
               <a:rPr lang="en-US" sz="1600" dirty="0">
@@ -4392,63 +4123,7 @@
                   <a:srgbClr val="7030A0"/>
                 </a:solidFill>
               </a:rPr>
-              <a:t> = </a:t>
-            </a:r>
-            <a:r>
-              <a:rPr lang="en-US" sz="1600" dirty="0" err="1">
-                <a:solidFill>
-                  <a:srgbClr val="7030A0"/>
-                </a:solidFill>
-              </a:rPr>
-              <a:t>oComp</a:t>
-            </a:r>
-            <a:r>
-              <a:rPr lang="en-US" sz="1600" dirty="0">
-                <a:solidFill>
-                  <a:srgbClr val="7030A0"/>
-                </a:solidFill>
-              </a:rPr>
-              <a:t>.(['</a:t>
-            </a:r>
-            <a:r>
-              <a:rPr lang="en-US" sz="1600" dirty="0" err="1">
-                <a:solidFill>
-                  <a:srgbClr val="7030A0"/>
-                </a:solidFill>
-              </a:rPr>
-              <a:t>mUpdate</a:t>
-            </a:r>
-            <a:r>
-              <a:rPr lang="en-US" sz="1600" dirty="0">
-                <a:solidFill>
-                  <a:srgbClr val="7030A0"/>
-                </a:solidFill>
-              </a:rPr>
-              <a:t>_' class(</a:t>
-            </a:r>
-            <a:r>
-              <a:rPr lang="en-US" sz="1600" dirty="0" err="1">
-                <a:solidFill>
-                  <a:srgbClr val="7030A0"/>
-                </a:solidFill>
-              </a:rPr>
-              <a:t>oComp</a:t>
-            </a:r>
-            <a:r>
-              <a:rPr lang="en-US" sz="1600" dirty="0">
-                <a:solidFill>
-                  <a:srgbClr val="7030A0"/>
-                </a:solidFill>
-              </a:rPr>
-              <a:t>)])(data, </a:t>
-            </a:r>
-            <a:r>
-              <a:rPr lang="en-US" sz="1600" dirty="0" err="1">
-                <a:solidFill>
-                  <a:srgbClr val="7030A0"/>
-                </a:solidFill>
-              </a:rPr>
-              <a:t>saveDate</a:t>
+              <a:t>oComp = oComp.(['mUpdate_' class(oComp)])(data, saveDate</a:t>
             </a:r>
             <a:r>
               <a:rPr lang="en-US" sz="1600" dirty="0" smtClean="0">
@@ -4460,19 +4135,7 @@
             </a:r>
             <a:r>
               <a:rPr lang="en-US" sz="1600" dirty="0" smtClean="0"/>
-              <a:t>. Meaning, that in each </a:t>
-            </a:r>
-            <a:r>
-              <a:rPr lang="en-US" sz="1600" dirty="0" err="1" smtClean="0"/>
-              <a:t>cCompute</a:t>
-            </a:r>
-            <a:r>
-              <a:rPr lang="en-US" sz="1600" dirty="0" smtClean="0"/>
-              <a:t>-app class exists a method called </a:t>
-            </a:r>
-            <a:r>
-              <a:rPr lang="en-US" sz="1600" dirty="0" err="1" smtClean="0"/>
-              <a:t>mUpdate_cCompute</a:t>
+              <a:t>. Meaning, that in each cCompute-app class exists a method called mUpdate_cCompute</a:t>
             </a:r>
             <a:r>
               <a:rPr lang="en-US" sz="1600" i="1" dirty="0" smtClean="0"/>
@@ -4480,15 +4143,7 @@
             </a:r>
             <a:r>
               <a:rPr lang="en-US" sz="1600" dirty="0" smtClean="0"/>
-              <a:t>, in which a switch-case is used to discriminate between versions of the classes used in the "old" session file. In the cases the update to the current version and the merging in the </a:t>
-            </a:r>
-            <a:r>
-              <a:rPr lang="en-US" sz="1600" dirty="0" err="1" smtClean="0"/>
-              <a:t>cCompute</a:t>
-            </a:r>
-            <a:r>
-              <a:rPr lang="en-US" sz="1600" dirty="0" smtClean="0"/>
-              <a:t>-app class as an object is done.</a:t>
+              <a:t>, in which a switch-case is used to discriminate between versions of the classes used in the "old" session file. In the cases the update to the current version and the merging in the cCompute-app class as an object is done.</a:t>
             </a:r>
             <a:endParaRPr lang="en-US" sz="1600" dirty="0">
               <a:solidFill>
@@ -4564,20 +4219,8 @@
               <a:rPr lang="de-DE" sz="2400" dirty="0"/>
             </a:br>
             <a:r>
-              <a:rPr lang="de-DE" sz="2400" dirty="0" err="1"/>
-              <a:t>Versionhandling</a:t>
-            </a:r>
-            <a:r>
               <a:rPr lang="de-DE" sz="2400" dirty="0"/>
-              <a:t>/</a:t>
-            </a:r>
-            <a:r>
-              <a:rPr lang="de-DE" sz="2400" dirty="0" err="1"/>
-              <a:t>SessionFile</a:t>
-            </a:r>
-            <a:r>
-              <a:rPr lang="de-DE" sz="2400" dirty="0"/>
-              <a:t> </a:t>
+              <a:t>Versionhandling/SessionFile </a:t>
             </a:r>
             <a:r>
               <a:rPr lang="de-DE" sz="2400" dirty="0" smtClean="0"/>
@@ -4663,11 +4306,7 @@
           <a:p>
             <a:r>
               <a:rPr lang="de-DE" dirty="0" smtClean="0"/>
-              <a:t>App </a:t>
-            </a:r>
-            <a:r>
-              <a:rPr lang="de-DE" dirty="0" err="1" smtClean="0"/>
-              <a:t>Creation</a:t>
+              <a:t>App Creation</a:t>
             </a:r>
             <a:r>
               <a:rPr lang="de-DE" dirty="0"/>
@@ -4677,7 +4316,7 @@
               <a:rPr lang="de-DE" dirty="0"/>
             </a:br>
             <a:r>
-              <a:rPr lang="de-DE" sz="2400" dirty="0" err="1" smtClean="0"/>
+              <a:rPr lang="de-DE" sz="2400" dirty="0" smtClean="0"/>
               <a:t>overview</a:t>
             </a:r>
             <a:r>
@@ -4730,12 +4369,8 @@
               <a:buAutoNum type="arabicPeriod"/>
             </a:pPr>
             <a:r>
-              <a:rPr lang="en-US" sz="1600" dirty="0" err="1" smtClean="0"/>
-              <a:t>cCompute-app.m</a:t>
-            </a:r>
-            <a:r>
-              <a:rPr lang="en-US" sz="1600" dirty="0" smtClean="0"/>
-              <a:t> file</a:t>
+              <a:rPr lang="en-US" sz="1600" dirty="0" smtClean="0"/>
+              <a:t>cCompute-app.m file</a:t>
             </a:r>
           </a:p>
           <a:p>
@@ -4745,13 +4380,8 @@
             </a:pPr>
             <a:r>
               <a:rPr lang="en-US" sz="1600" dirty="0" smtClean="0"/>
-              <a:t>customize mandatory methods called from </a:t>
-            </a:r>
-            <a:r>
-              <a:rPr lang="en-US" sz="1600" dirty="0" err="1" smtClean="0"/>
-              <a:t>cControl</a:t>
-            </a:r>
-            <a:endParaRPr lang="en-US" sz="1600" dirty="0" smtClean="0"/>
+              <a:t>customize mandatory methods called from cControl</a:t>
+            </a:r>
           </a:p>
           <a:p>
             <a:pPr marL="1200150" lvl="2" indent="-285750">
@@ -4759,10 +4389,9 @@
               <a:buChar char="•"/>
             </a:pPr>
             <a:r>
-              <a:rPr lang="en-US" sz="1200" dirty="0" err="1"/>
+              <a:rPr lang="en-US" sz="1200" dirty="0"/>
               <a:t>mInit_oCompApp</a:t>
             </a:r>
-            <a:endParaRPr lang="en-US" sz="1200" dirty="0"/>
           </a:p>
           <a:p>
             <a:pPr marL="1200150" lvl="2" indent="-285750">
@@ -4780,10 +4409,9 @@
               <a:buChar char="•"/>
             </a:pPr>
             <a:r>
-              <a:rPr lang="en-US" sz="1200" dirty="0" err="1"/>
+              <a:rPr lang="en-US" sz="1200" dirty="0"/>
               <a:t>mPostPlot</a:t>
             </a:r>
-            <a:endParaRPr lang="en-US" sz="1200" dirty="0"/>
           </a:p>
           <a:p>
             <a:pPr marL="1200150" lvl="2" indent="-285750">
@@ -4791,10 +4419,9 @@
               <a:buChar char="•"/>
             </a:pPr>
             <a:r>
-              <a:rPr lang="en-US" sz="1200" dirty="0" err="1"/>
+              <a:rPr lang="en-US" sz="1200" dirty="0"/>
               <a:t>mDrawGraph</a:t>
             </a:r>
-            <a:endParaRPr lang="en-US" sz="1200" dirty="0"/>
           </a:p>
           <a:p>
             <a:pPr marL="1200150" lvl="2" indent="-285750">
@@ -4802,10 +4429,9 @@
               <a:buChar char="•"/>
             </a:pPr>
             <a:r>
-              <a:rPr lang="en-US" sz="1200" dirty="0" err="1"/>
+              <a:rPr lang="en-US" sz="1200" dirty="0"/>
               <a:t>mGetTextBoxLines</a:t>
             </a:r>
-            <a:endParaRPr lang="en-US" sz="1200" dirty="0"/>
           </a:p>
           <a:p>
             <a:pPr marL="1200150" lvl="2" indent="-285750">
@@ -5121,7 +4747,7 @@
               <a:t>open in </a:t>
             </a:r>
             <a:r>
-              <a:rPr lang="en-US" sz="1600" dirty="0" err="1" smtClean="0"/>
+              <a:rPr lang="en-US" sz="1600" smtClean="0"/>
               <a:t>Matlab</a:t>
             </a:r>
             <a:r>
@@ -5462,29 +5088,20 @@
               <a:t>method </a:t>
             </a:r>
             <a:r>
-              <a:rPr lang="en-US" sz="1600" dirty="0" err="1" smtClean="0"/>
-              <a:t>cCompute_template</a:t>
-            </a:r>
-            <a:r>
-              <a:rPr lang="en-US" sz="1600" dirty="0" smtClean="0"/>
-              <a:t> name to:</a:t>
+              <a:rPr lang="en-US" sz="1600" dirty="0" smtClean="0"/>
+              <a:t>cCompute_template name to:</a:t>
             </a:r>
             <a:br>
               <a:rPr lang="en-US" sz="1600" dirty="0" smtClean="0"/>
             </a:br>
             <a:r>
-              <a:rPr lang="en-US" sz="1600" dirty="0" err="1" smtClean="0">
+              <a:rPr lang="en-US" sz="1600" dirty="0" smtClean="0">
                 <a:solidFill>
                   <a:srgbClr val="7030A0"/>
                 </a:solidFill>
               </a:rPr>
               <a:t>cComputeDummy</a:t>
             </a:r>
-            <a:endParaRPr lang="en-US" sz="1600" dirty="0" smtClean="0">
-              <a:solidFill>
-                <a:srgbClr val="7030A0"/>
-              </a:solidFill>
-            </a:endParaRPr>
           </a:p>
           <a:p>
             <a:pPr marL="342900" indent="-342900">
@@ -5512,15 +5129,7 @@
             </a:br>
             <a:r>
               <a:rPr lang="en-GB" sz="1600" dirty="0" smtClean="0"/>
-              <a:t>At this point it may also be good to generate the </a:t>
-            </a:r>
-            <a:r>
-              <a:rPr lang="en-GB" sz="1600" dirty="0" err="1" smtClean="0"/>
-              <a:t>applicationConfig</a:t>
-            </a:r>
-            <a:r>
-              <a:rPr lang="en-GB" sz="1600" dirty="0" smtClean="0"/>
-              <a:t> in parallel.</a:t>
+              <a:t>At this point it may also be good to generate the applicationConfig in parallel.</a:t>
             </a:r>
           </a:p>
           <a:p>
@@ -5530,15 +5139,7 @@
             </a:pPr>
             <a:r>
               <a:rPr lang="en-US" sz="1600" dirty="0" smtClean="0"/>
-              <a:t>Note, that the </a:t>
-            </a:r>
-            <a:r>
-              <a:rPr lang="en-US" sz="1600" dirty="0" err="1" smtClean="0"/>
-              <a:t>cCompute_template.m</a:t>
-            </a:r>
-            <a:r>
-              <a:rPr lang="en-US" sz="1600" dirty="0" smtClean="0"/>
-              <a:t>:</a:t>
+              <a:t>Note, that the cCompute_template.m:</a:t>
             </a:r>
           </a:p>
           <a:p>
@@ -5548,29 +5149,8 @@
             </a:pPr>
             <a:r>
               <a:rPr lang="en-US" sz="1600" dirty="0" smtClean="0"/>
-              <a:t>uses </a:t>
-            </a:r>
-            <a:r>
-              <a:rPr lang="en-US" sz="1600" dirty="0" err="1" smtClean="0"/>
-              <a:t>sliceLocations</a:t>
-            </a:r>
-            <a:r>
-              <a:rPr lang="en-US" sz="1600" dirty="0" smtClean="0"/>
-              <a:t> value to find images and sort them to </a:t>
-            </a:r>
-            <a:r>
-              <a:rPr lang="en-US" sz="1600" dirty="0" err="1" smtClean="0"/>
-              <a:t>oComp</a:t>
-            </a:r>
-            <a:r>
-              <a:rPr lang="en-US" sz="1600" dirty="0" smtClean="0"/>
-              <a:t> objects in </a:t>
-            </a:r>
-            <a:r>
-              <a:rPr lang="en-US" sz="1600" dirty="0" err="1" smtClean="0"/>
-              <a:t>mInit_oCompApp</a:t>
-            </a:r>
-            <a:endParaRPr lang="en-US" sz="1600" dirty="0" smtClean="0"/>
+              <a:t>uses sliceLocations value to find images and sort them to oComp objects in mInit_oCompApp</a:t>
+            </a:r>
           </a:p>
           <a:p>
             <a:pPr marL="800100" lvl="1" indent="-342900">
@@ -5589,15 +5169,7 @@
             </a:pPr>
             <a:r>
               <a:rPr lang="en-US" sz="1600" dirty="0" smtClean="0"/>
-              <a:t>use already existing </a:t>
-            </a:r>
-            <a:r>
-              <a:rPr lang="en-US" sz="1600" dirty="0" err="1" smtClean="0"/>
-              <a:t>cCompute-app.m</a:t>
-            </a:r>
-            <a:r>
-              <a:rPr lang="en-US" sz="1600" dirty="0" smtClean="0"/>
-              <a:t> files to reuse stuff (e.g. Boundary management or data fitting)</a:t>
+              <a:t>use already existing cCompute-app.m files to reuse stuff (e.g. Boundary management or data fitting)</a:t>
             </a:r>
           </a:p>
           <a:p>
@@ -5668,11 +5240,7 @@
           <a:p>
             <a:r>
               <a:rPr lang="de-DE" dirty="0" smtClean="0"/>
-              <a:t>App </a:t>
-            </a:r>
-            <a:r>
-              <a:rPr lang="de-DE" dirty="0" err="1" smtClean="0"/>
-              <a:t>Creation</a:t>
+              <a:t>App Creation</a:t>
             </a:r>
             <a:r>
               <a:rPr lang="de-DE" dirty="0"/>
@@ -5682,7 +5250,7 @@
               <a:rPr lang="de-DE" dirty="0"/>
             </a:br>
             <a:r>
-              <a:rPr lang="de-DE" sz="2400" dirty="0" err="1" smtClean="0"/>
+              <a:rPr lang="de-DE" sz="2400" dirty="0" smtClean="0"/>
               <a:t>ConfigApplication_template.m</a:t>
             </a:r>
             <a:r>
@@ -5762,7 +5330,7 @@
               <a:t>the </a:t>
             </a:r>
             <a:r>
-              <a:rPr lang="en-US" sz="1600" dirty="0" err="1" smtClean="0"/>
+              <a:rPr lang="en-US" sz="1600" dirty="0" smtClean="0"/>
               <a:t>ConfigApplication_template.m</a:t>
             </a:r>
             <a:r>
@@ -5779,15 +5347,7 @@
             </a:r>
             <a:r>
               <a:rPr lang="en-US" sz="1600" dirty="0" smtClean="0"/>
-              <a:t> section. A switch statement is used to discriminate between the different applications. To create a new </a:t>
-            </a:r>
-            <a:r>
-              <a:rPr lang="en-US" sz="1600" err="1" smtClean="0"/>
-              <a:t>config</a:t>
-            </a:r>
-            <a:r>
-              <a:rPr lang="en-US" sz="1600" smtClean="0"/>
-              <a:t> file do the following: </a:t>
+              <a:t> section. A switch statement is used to discriminate between the different applications. To create a new config file do the following: </a:t>
             </a:r>
           </a:p>
           <a:p>
@@ -5796,12 +5356,8 @@
               <a:buAutoNum type="arabicPeriod"/>
             </a:pPr>
             <a:r>
-              <a:rPr lang="en-US" sz="1600" smtClean="0"/>
-              <a:t>copy </a:t>
-            </a:r>
-            <a:r>
-              <a:rPr lang="en-US" sz="1600" dirty="0" smtClean="0"/>
-              <a:t>the _</a:t>
+              <a:rPr lang="en-US" sz="1600" dirty="0" smtClean="0"/>
+              <a:t>copy the _</a:t>
             </a:r>
             <a:r>
               <a:rPr lang="en-US" sz="1600" i="1" dirty="0" smtClean="0"/>
@@ -5809,14 +5365,10 @@
             </a:r>
             <a:r>
               <a:rPr lang="en-US" sz="1600" dirty="0" smtClean="0"/>
-              <a:t>_ case and rename it to the new application </a:t>
-            </a:r>
-            <a:r>
-              <a:rPr lang="en-US" sz="1600" smtClean="0"/>
-              <a:t>name </a:t>
-            </a:r>
-            <a:r>
-              <a:rPr lang="en-US" sz="1600" i="1" smtClean="0"/>
+              <a:t>_ case and rename it to the new application name </a:t>
+            </a:r>
+            <a:r>
+              <a:rPr lang="en-US" sz="1600" i="1" dirty="0" smtClean="0"/>
               <a:t>Dummy</a:t>
             </a:r>
             <a:endParaRPr lang="en-US" sz="1600" dirty="0"/>
@@ -5827,27 +5379,11 @@
               <a:buAutoNum type="arabicPeriod"/>
             </a:pPr>
             <a:r>
-              <a:rPr lang="en-US" sz="1600" smtClean="0"/>
-              <a:t>change </a:t>
-            </a:r>
-            <a:r>
-              <a:rPr lang="en-US" sz="1600" dirty="0" smtClean="0"/>
-              <a:t>the value </a:t>
-            </a:r>
-            <a:r>
-              <a:rPr lang="en-US" sz="1600" dirty="0" err="1" smtClean="0"/>
-              <a:t>cfg.applicationName</a:t>
-            </a:r>
-            <a:r>
-              <a:rPr lang="en-US" sz="1600" dirty="0" smtClean="0"/>
-              <a:t> </a:t>
-            </a:r>
-            <a:r>
-              <a:rPr lang="en-US" sz="1600" smtClean="0"/>
-              <a:t>to </a:t>
-            </a:r>
-            <a:r>
-              <a:rPr lang="en-US" sz="1600" i="1" smtClean="0"/>
+              <a:rPr lang="en-US" sz="1600" dirty="0" smtClean="0"/>
+              <a:t>change the value cfg.applicationName to </a:t>
+            </a:r>
+            <a:r>
+              <a:rPr lang="en-US" sz="1600" i="1" dirty="0" smtClean="0"/>
               <a:t>Dummy</a:t>
             </a:r>
           </a:p>
@@ -5857,8 +5393,24 @@
               <a:buAutoNum type="arabicPeriod"/>
             </a:pPr>
             <a:r>
-              <a:rPr lang="de-DE" sz="1600" smtClean="0"/>
-              <a:t>customize all mandatory entrys to suite your application</a:t>
+              <a:rPr lang="en-US" sz="1600" dirty="0" smtClean="0"/>
+              <a:t>customize</a:t>
+            </a:r>
+            <a:r>
+              <a:rPr lang="de-DE" sz="1600" dirty="0" smtClean="0"/>
+              <a:t> all mandatory entrys to suite </a:t>
+            </a:r>
+            <a:r>
+              <a:rPr lang="de-DE" sz="1600" dirty="0" err="1" smtClean="0"/>
+              <a:t>your</a:t>
+            </a:r>
+            <a:r>
+              <a:rPr lang="de-DE" sz="1600" dirty="0" smtClean="0"/>
+              <a:t> </a:t>
+            </a:r>
+            <a:r>
+              <a:rPr lang="de-DE" sz="1600" dirty="0" err="1" smtClean="0"/>
+              <a:t>application</a:t>
             </a:r>
             <a:endParaRPr lang="en-US" sz="1600" dirty="0"/>
           </a:p>
@@ -5868,12 +5420,8 @@
               <a:buAutoNum type="arabicPeriod"/>
             </a:pPr>
             <a:r>
-              <a:rPr lang="en-US" sz="1600" smtClean="0"/>
-              <a:t>additional entries may </a:t>
-            </a:r>
-            <a:r>
-              <a:rPr lang="en-US" sz="1600" dirty="0" smtClean="0"/>
-              <a:t>be stored in the switch statement </a:t>
+              <a:rPr lang="en-US" sz="1600" dirty="0" smtClean="0"/>
+              <a:t>additional entries may be stored in the switch statement </a:t>
             </a:r>
             <a:r>
               <a:rPr lang="en-US" sz="1600" i="1" dirty="0" smtClean="0"/>
@@ -6311,7 +5859,7 @@
               <a:t>There exist some menu bar entries defined in the framework </a:t>
             </a:r>
             <a:r>
-              <a:rPr lang="en-US" sz="1600" dirty="0" err="1" smtClean="0"/>
+              <a:rPr lang="en-US" sz="1600" smtClean="0"/>
               <a:t>config</a:t>
             </a:r>
             <a:r>
@@ -6319,7 +5867,7 @@
               <a:t>. Despite those it is possible to define more in the application </a:t>
             </a:r>
             <a:r>
-              <a:rPr lang="en-US" sz="1600" dirty="0" err="1" smtClean="0"/>
+              <a:rPr lang="en-US" sz="1600" smtClean="0"/>
               <a:t>config</a:t>
             </a:r>
             <a:r>
@@ -6351,7 +5899,7 @@
               <a:t> file. Each element of the </a:t>
             </a:r>
             <a:r>
-              <a:rPr lang="en-US" sz="1600" dirty="0" err="1" smtClean="0"/>
+              <a:rPr lang="en-US" sz="1600" smtClean="0"/>
               <a:t>struct</a:t>
             </a:r>
             <a:r>
@@ -6379,7 +5927,7 @@
               <a:t>or each button exists a "callback" value stored per array element. It may directly point to a </a:t>
             </a:r>
             <a:r>
-              <a:rPr lang="en-US" sz="1600" dirty="0" err="1" smtClean="0"/>
+              <a:rPr lang="en-US" sz="1600" smtClean="0"/>
               <a:t>cCompute</a:t>
             </a:r>
             <a:r>
@@ -6460,7 +6008,7 @@
               <a:t>Menu bar entries may be created and organized therewith easily. The callbacks simply need to be computable by </a:t>
             </a:r>
             <a:r>
-              <a:rPr lang="en-US" sz="1600" dirty="0" err="1" smtClean="0"/>
+              <a:rPr lang="en-US" sz="1600" smtClean="0"/>
               <a:t>Matlab</a:t>
             </a:r>
             <a:r>
@@ -6596,13 +6144,13 @@
             <a:lstStyle/>
             <a:p>
               <a:r>
-                <a:rPr lang="de-DE" sz="2000" b="1" err="1">
+                <a:rPr lang="de-DE" sz="2000" b="1" dirty="0">
                   <a:latin typeface="Arial" panose="020B0604020202020204" pitchFamily="34" charset="0"/>
                   <a:cs typeface="Arial" panose="020B0604020202020204" pitchFamily="34" charset="0"/>
                 </a:rPr>
                 <a:t>ImageArea</a:t>
               </a:r>
-              <a:endParaRPr lang="en-US" sz="2000" b="1">
+              <a:endParaRPr lang="en-US" sz="2000" b="1" dirty="0">
                 <a:latin typeface="Arial" panose="020B0604020202020204" pitchFamily="34" charset="0"/>
                 <a:cs typeface="Arial" panose="020B0604020202020204" pitchFamily="34" charset="0"/>
               </a:endParaRPr>
@@ -6632,13 +6180,13 @@
             <a:lstStyle/>
             <a:p>
               <a:r>
-                <a:rPr lang="de-DE" sz="2000" b="1">
+                <a:rPr lang="de-DE" sz="2000" b="1" dirty="0">
                   <a:latin typeface="Arial" panose="020B0604020202020204" pitchFamily="34" charset="0"/>
                   <a:cs typeface="Arial" panose="020B0604020202020204" pitchFamily="34" charset="0"/>
                 </a:rPr>
                 <a:t>TextArea</a:t>
               </a:r>
-              <a:endParaRPr lang="en-US" sz="2000" b="1">
+              <a:endParaRPr lang="en-US" sz="2000" b="1" dirty="0">
                 <a:latin typeface="Arial" panose="020B0604020202020204" pitchFamily="34" charset="0"/>
                 <a:cs typeface="Arial" panose="020B0604020202020204" pitchFamily="34" charset="0"/>
               </a:endParaRPr>
@@ -6668,13 +6216,13 @@
             <a:lstStyle/>
             <a:p>
               <a:r>
-                <a:rPr lang="de-DE" sz="2000" b="1">
+                <a:rPr lang="de-DE" sz="2000" b="1" dirty="0">
                   <a:latin typeface="Arial" panose="020B0604020202020204" pitchFamily="34" charset="0"/>
                   <a:cs typeface="Arial" panose="020B0604020202020204" pitchFamily="34" charset="0"/>
                 </a:rPr>
                 <a:t>TableArea</a:t>
               </a:r>
-              <a:endParaRPr lang="en-US" sz="2000" b="1">
+              <a:endParaRPr lang="en-US" sz="2000" b="1" dirty="0">
                 <a:latin typeface="Arial" panose="020B0604020202020204" pitchFamily="34" charset="0"/>
                 <a:cs typeface="Arial" panose="020B0604020202020204" pitchFamily="34" charset="0"/>
               </a:endParaRPr>
@@ -6704,13 +6252,13 @@
             <a:lstStyle/>
             <a:p>
               <a:r>
-                <a:rPr lang="de-DE" sz="2000" b="1">
+                <a:rPr lang="de-DE" sz="2000" b="1" dirty="0">
                   <a:latin typeface="Arial" panose="020B0604020202020204" pitchFamily="34" charset="0"/>
                   <a:cs typeface="Arial" panose="020B0604020202020204" pitchFamily="34" charset="0"/>
                 </a:rPr>
                 <a:t>GraphArea</a:t>
               </a:r>
-              <a:endParaRPr lang="en-US" sz="2000" b="1">
+              <a:endParaRPr lang="en-US" sz="2000" b="1" dirty="0">
                 <a:latin typeface="Arial" panose="020B0604020202020204" pitchFamily="34" charset="0"/>
                 <a:cs typeface="Arial" panose="020B0604020202020204" pitchFamily="34" charset="0"/>
               </a:endParaRPr>
@@ -6741,13 +6289,13 @@
           <a:lstStyle/>
           <a:p>
             <a:r>
-              <a:rPr lang="de-DE" sz="2000" b="1">
+              <a:rPr lang="de-DE" sz="2000" b="1" dirty="0">
                 <a:latin typeface="Arial" panose="020B0604020202020204" pitchFamily="34" charset="0"/>
                 <a:cs typeface="Arial" panose="020B0604020202020204" pitchFamily="34" charset="0"/>
               </a:rPr>
               <a:t>Menu Bar</a:t>
             </a:r>
-            <a:endParaRPr lang="en-US" sz="2000" b="1">
+            <a:endParaRPr lang="en-US" sz="2000" b="1" dirty="0">
               <a:latin typeface="Arial" panose="020B0604020202020204" pitchFamily="34" charset="0"/>
               <a:cs typeface="Arial" panose="020B0604020202020204" pitchFamily="34" charset="0"/>
             </a:endParaRPr>
@@ -6880,10 +6428,10 @@
           <a:lstStyle/>
           <a:p>
             <a:r>
-              <a:rPr lang="de-DE"/>
+              <a:rPr lang="de-DE" dirty="0"/>
               <a:t>User Interface</a:t>
             </a:r>
-            <a:endParaRPr lang="en-US"/>
+            <a:endParaRPr lang="en-US" dirty="0"/>
           </a:p>
         </p:txBody>
       </p:sp>
@@ -6941,10 +6489,6 @@
               <a:rPr lang="de-DE" smtClean="0"/>
               <a:t>Sample Application</a:t>
             </a:r>
-            <a:r>
-              <a:rPr lang="de-DE" smtClean="0"/>
-              <a:t/>
-            </a:r>
             <a:br>
               <a:rPr lang="de-DE" smtClean="0"/>
             </a:br>
@@ -7019,7 +6563,7 @@
         <p:spPr>
           <a:xfrm>
             <a:off x="188640" y="7185248"/>
-            <a:ext cx="6480720" cy="1323439"/>
+            <a:ext cx="6480720" cy="2246769"/>
           </a:xfrm>
           <a:prstGeom prst="rect">
             <a:avLst/>
@@ -7034,12 +6578,42 @@
           <a:p>
             <a:pPr algn="just"/>
             <a:r>
-              <a:rPr lang="en-US" sz="1600" smtClean="0"/>
+              <a:rPr lang="en-US" sz="1600" dirty="0" smtClean="0"/>
               <a:t>You can either load the images by choosing “start new session” or load the existing dataset with already computed T1 maps in the T1Mapper mode of the Dicomflex. Fitting T1 values only makes sense for fat fractions of 50% - 100% as the fitting in this mode is limited to T1 values from 180ms to 4000ms.</a:t>
             </a:r>
-            <a:endParaRPr lang="en-US" sz="1600" dirty="0">
+          </a:p>
+          <a:p>
+            <a:pPr algn="just"/>
+            <a:endParaRPr lang="de-DE" sz="1200" dirty="0">
               <a:solidFill>
-                <a:srgbClr val="7030A0"/>
+                <a:srgbClr val="FF0000"/>
+              </a:solidFill>
+            </a:endParaRPr>
+          </a:p>
+          <a:p>
+            <a:pPr algn="just"/>
+            <a:r>
+              <a:rPr lang="en-US" sz="1200" dirty="0" smtClean="0">
+                <a:solidFill>
+                  <a:srgbClr val="FF0000"/>
+                </a:solidFill>
+              </a:rPr>
+              <a:t>Unfortunately the dataset is does not give good T1 values as the phantoms where not designed for T1 fitting. The T1 values are dramatically corrupted due to MR-artifacts. </a:t>
+            </a:r>
+          </a:p>
+          <a:p>
+            <a:pPr algn="just"/>
+            <a:r>
+              <a:rPr lang="en-US" sz="1200" dirty="0" smtClean="0">
+                <a:solidFill>
+                  <a:srgbClr val="FF0000"/>
+                </a:solidFill>
+              </a:rPr>
+              <a:t>Due to patient ethics it was not possible to upload a sample dataset of a patient were fitting and mapping would work very nice!</a:t>
+            </a:r>
+            <a:endParaRPr lang="en-US" sz="1200" dirty="0">
+              <a:solidFill>
+                <a:srgbClr val="FF0000"/>
               </a:solidFill>
             </a:endParaRPr>
           </a:p>
@@ -7606,10 +7180,10 @@
           <a:lstStyle/>
           <a:p>
             <a:r>
-              <a:rPr lang="de-DE"/>
+              <a:rPr lang="de-DE" dirty="0"/>
               <a:t>Software Structure</a:t>
             </a:r>
-            <a:endParaRPr lang="en-US"/>
+            <a:endParaRPr lang="en-US" dirty="0"/>
           </a:p>
         </p:txBody>
       </p:sp>
@@ -7704,13 +7278,13 @@
           <a:p>
             <a:pPr algn="ctr"/>
             <a:r>
-              <a:rPr lang="de-DE" sz="3600" b="1">
+              <a:rPr lang="de-DE" sz="3600" b="1" dirty="0">
                 <a:latin typeface="Arial" panose="020B0604020202020204" pitchFamily="34" charset="0"/>
                 <a:cs typeface="Arial" panose="020B0604020202020204" pitchFamily="34" charset="0"/>
               </a:rPr>
               <a:t>GUI</a:t>
             </a:r>
-            <a:endParaRPr lang="en-US" sz="3600" b="1">
+            <a:endParaRPr lang="en-US" sz="3600" b="1" dirty="0">
               <a:latin typeface="Arial" panose="020B0604020202020204" pitchFamily="34" charset="0"/>
               <a:cs typeface="Arial" panose="020B0604020202020204" pitchFamily="34" charset="0"/>
             </a:endParaRPr>
@@ -7753,29 +7327,13 @@
           <a:p>
             <a:r>
               <a:rPr lang="en-US" sz="1600" dirty="0" smtClean="0"/>
-              <a:t>Besides the illustrated Classes there exists a class </a:t>
-            </a:r>
-            <a:r>
-              <a:rPr lang="en-US" sz="1600" dirty="0" err="1" smtClean="0"/>
-              <a:t>cBoundary</a:t>
-            </a:r>
-            <a:r>
-              <a:rPr lang="en-US" sz="1600" dirty="0" smtClean="0"/>
-              <a:t>.</a:t>
-            </a:r>
-          </a:p>
-          <a:p>
-            <a:r>
-              <a:rPr lang="en-US" sz="1600" dirty="0" smtClean="0"/>
-              <a:t>All defined properties and methods are described in the </a:t>
-            </a:r>
-            <a:r>
-              <a:rPr lang="en-US" sz="1600" dirty="0" err="1" smtClean="0"/>
-              <a:t>Matlab</a:t>
-            </a:r>
-            <a:r>
-              <a:rPr lang="en-US" sz="1600" dirty="0" smtClean="0"/>
-              <a:t> code files. </a:t>
+              <a:t>Besides the illustrated Classes there exists a class cBoundary.</a:t>
+            </a:r>
+          </a:p>
+          <a:p>
+            <a:r>
+              <a:rPr lang="en-US" sz="1600" dirty="0" smtClean="0"/>
+              <a:t>All defined properties and methods are described in the Matlab code files. </a:t>
             </a:r>
             <a:endParaRPr lang="en-US" sz="1600" dirty="0"/>
           </a:p>
@@ -7832,10 +7390,10 @@
           <a:lstStyle/>
           <a:p>
             <a:r>
-              <a:rPr lang="de-DE"/>
+              <a:rPr lang="de-DE" dirty="0"/>
               <a:t>Software Structure</a:t>
             </a:r>
-            <a:endParaRPr lang="en-US"/>
+            <a:endParaRPr lang="en-US" dirty="0"/>
           </a:p>
         </p:txBody>
       </p:sp>
@@ -7930,13 +7488,13 @@
           <a:p>
             <a:pPr algn="ctr"/>
             <a:r>
-              <a:rPr lang="de-DE" sz="3600" b="1">
+              <a:rPr lang="de-DE" sz="3600" b="1" dirty="0">
                 <a:latin typeface="Arial" panose="020B0604020202020204" pitchFamily="34" charset="0"/>
                 <a:cs typeface="Arial" panose="020B0604020202020204" pitchFamily="34" charset="0"/>
               </a:rPr>
               <a:t>GUI</a:t>
             </a:r>
-            <a:endParaRPr lang="en-US" sz="3600" b="1">
+            <a:endParaRPr lang="en-US" sz="3600" b="1" dirty="0">
               <a:latin typeface="Arial" panose="020B0604020202020204" pitchFamily="34" charset="0"/>
               <a:cs typeface="Arial" panose="020B0604020202020204" pitchFamily="34" charset="0"/>
             </a:endParaRPr>
@@ -7976,19 +7534,15 @@
               <a:buChar char="•"/>
             </a:pPr>
             <a:r>
-              <a:rPr lang="en-US" sz="1600" b="1" dirty="0" err="1"/>
+              <a:rPr lang="en-US" sz="1600" b="1" dirty="0"/>
               <a:t>cControl</a:t>
             </a:r>
             <a:r>
               <a:rPr lang="en-US" sz="1600" dirty="0"/>
-              <a:t>: it is the main </a:t>
-            </a:r>
-            <a:r>
-              <a:rPr lang="en-US" sz="1600"/>
-              <a:t>framework </a:t>
-            </a:r>
-            <a:r>
-              <a:rPr lang="en-US" sz="1600" smtClean="0"/>
+              <a:t>: it is the main framework </a:t>
+            </a:r>
+            <a:r>
+              <a:rPr lang="en-US" sz="1600" dirty="0" smtClean="0"/>
               <a:t>class. </a:t>
             </a:r>
             <a:r>
@@ -8002,28 +7556,12 @@
               <a:buChar char="•"/>
             </a:pPr>
             <a:r>
-              <a:rPr lang="en-US" sz="1600" b="1" dirty="0" err="1"/>
+              <a:rPr lang="en-US" sz="1600" b="1" dirty="0"/>
               <a:t>cCompute</a:t>
             </a:r>
             <a:r>
               <a:rPr lang="en-US" sz="1600" dirty="0"/>
-              <a:t>: each slice/image-data is hosted in a </a:t>
-            </a:r>
-            <a:r>
-              <a:rPr lang="en-US" sz="1600" dirty="0" err="1"/>
-              <a:t>cCompute</a:t>
-            </a:r>
-            <a:r>
-              <a:rPr lang="en-US" sz="1600" dirty="0"/>
-              <a:t> object. Thus each table row represents the data of a </a:t>
-            </a:r>
-            <a:r>
-              <a:rPr lang="en-US" sz="1600" dirty="0" err="1"/>
-              <a:t>cCompute</a:t>
-            </a:r>
-            <a:r>
-              <a:rPr lang="en-US" sz="1600" dirty="0"/>
-              <a:t> object. Besides image data and other source data it hosts generic methods (e.g.: image management, boundary/segmentation or fitting methods) or general method parts (e.g.: data loading/saving or GUI update methods) for application specific code.</a:t>
+              <a:t>: each slice/image-data is hosted in a cCompute object. Thus each table row represents the data of a cCompute object. Besides image data and other source data it hosts generic methods (e.g.: image management, boundary/segmentation or fitting methods) or general method parts (e.g.: data loading/saving or GUI update methods) for application specific code.</a:t>
             </a:r>
           </a:p>
           <a:p>
@@ -8032,48 +7570,12 @@
               <a:buChar char="•"/>
             </a:pPr>
             <a:r>
-              <a:rPr lang="en-US" sz="1600" b="1" dirty="0" err="1"/>
-              <a:t>cCompute</a:t>
-            </a:r>
-            <a:r>
               <a:rPr lang="en-US" sz="1600" b="1" dirty="0"/>
-              <a:t>-app</a:t>
+              <a:t>cCompute-app</a:t>
             </a:r>
             <a:r>
               <a:rPr lang="en-US" sz="1600" dirty="0"/>
-              <a:t>: contains the mode specific code as well as mandatory mode specific methods called by </a:t>
-            </a:r>
-            <a:r>
-              <a:rPr lang="en-US" sz="1600" dirty="0" err="1"/>
-              <a:t>cControl</a:t>
-            </a:r>
-            <a:r>
-              <a:rPr lang="en-US" sz="1600" dirty="0"/>
-              <a:t> or </a:t>
-            </a:r>
-            <a:r>
-              <a:rPr lang="en-US" sz="1600" dirty="0" err="1"/>
-              <a:t>cCompute</a:t>
-            </a:r>
-            <a:r>
-              <a:rPr lang="en-US" sz="1600" dirty="0"/>
-              <a:t> class (e.g.: data loading/saving, GUI update/interaction methods). It is a child class of the </a:t>
-            </a:r>
-            <a:r>
-              <a:rPr lang="en-US" sz="1600" dirty="0" err="1"/>
-              <a:t>cCompute</a:t>
-            </a:r>
-            <a:r>
-              <a:rPr lang="en-US" sz="1600" dirty="0"/>
-              <a:t> class and thus has access to </a:t>
-            </a:r>
-            <a:r>
-              <a:rPr lang="en-US" sz="1600" dirty="0" err="1"/>
-              <a:t>cCompute</a:t>
-            </a:r>
-            <a:r>
-              <a:rPr lang="en-US" sz="1600" dirty="0"/>
-              <a:t> methods.</a:t>
+              <a:t>: contains the mode specific code as well as mandatory mode specific methods called by cControl or cCompute class (e.g.: data loading/saving, GUI update/interaction methods). It is a child class of the cCompute class and thus has access to cCompute methods.</a:t>
             </a:r>
           </a:p>
           <a:p>
@@ -8132,10 +7634,10 @@
           <a:lstStyle/>
           <a:p>
             <a:r>
-              <a:rPr lang="de-DE"/>
+              <a:rPr lang="de-DE" dirty="0"/>
               <a:t>Software Structure</a:t>
             </a:r>
-            <a:endParaRPr lang="en-US"/>
+            <a:endParaRPr lang="en-US" dirty="0"/>
           </a:p>
         </p:txBody>
       </p:sp>
@@ -8230,13 +7732,13 @@
           <a:p>
             <a:pPr algn="ctr"/>
             <a:r>
-              <a:rPr lang="de-DE" sz="3600" b="1">
+              <a:rPr lang="de-DE" sz="3600" b="1" dirty="0">
                 <a:latin typeface="Arial" panose="020B0604020202020204" pitchFamily="34" charset="0"/>
                 <a:cs typeface="Arial" panose="020B0604020202020204" pitchFamily="34" charset="0"/>
               </a:rPr>
               <a:t>GUI</a:t>
             </a:r>
-            <a:endParaRPr lang="en-US" sz="3600" b="1">
+            <a:endParaRPr lang="en-US" sz="3600" b="1" dirty="0">
               <a:latin typeface="Arial" panose="020B0604020202020204" pitchFamily="34" charset="0"/>
               <a:cs typeface="Arial" panose="020B0604020202020204" pitchFamily="34" charset="0"/>
             </a:endParaRPr>
@@ -8266,80 +7768,20 @@
           <a:lstStyle/>
           <a:p>
             <a:r>
-              <a:rPr lang="en-US" sz="2400" dirty="0" err="1" smtClean="0"/>
-              <a:t>Config</a:t>
-            </a:r>
-            <a:r>
               <a:rPr lang="en-US" sz="2400" dirty="0" smtClean="0"/>
-              <a:t> files:</a:t>
-            </a:r>
-          </a:p>
-          <a:p>
-            <a:r>
-              <a:rPr lang="en-US" sz="1600" dirty="0" smtClean="0"/>
-              <a:t>two files in the JSON format host configuration values. They include slight GUI modification, menu bar definition and callback definitions mainly. Creation of those (</a:t>
-            </a:r>
-            <a:r>
-              <a:rPr lang="en-US" sz="1600" dirty="0" err="1" smtClean="0"/>
-              <a:t>cfg_framework.json</a:t>
-            </a:r>
-            <a:r>
-              <a:rPr lang="en-US" sz="1600" dirty="0" smtClean="0"/>
-              <a:t> and </a:t>
-            </a:r>
-            <a:r>
-              <a:rPr lang="en-US" sz="1600" dirty="0" err="1" smtClean="0"/>
-              <a:t>cfg_application</a:t>
-            </a:r>
-            <a:r>
-              <a:rPr lang="en-US" sz="1600" dirty="0" smtClean="0"/>
-              <a:t>_*.</a:t>
-            </a:r>
-            <a:r>
-              <a:rPr lang="en-US" sz="1600" dirty="0" err="1" smtClean="0"/>
-              <a:t>json</a:t>
-            </a:r>
-            <a:r>
-              <a:rPr lang="en-US" sz="1600" dirty="0" smtClean="0"/>
-              <a:t>) files is comfortably possible by using </a:t>
-            </a:r>
-            <a:r>
-              <a:rPr lang="en-US" sz="1600" dirty="0" err="1" smtClean="0"/>
-              <a:t>matlab</a:t>
-            </a:r>
-            <a:r>
-              <a:rPr lang="en-US" sz="1600" dirty="0" smtClean="0"/>
-              <a:t> scripts (</a:t>
-            </a:r>
-            <a:r>
-              <a:rPr lang="en-US" sz="1600" dirty="0" err="1" smtClean="0"/>
-              <a:t>ConfigFramework_template.m</a:t>
-            </a:r>
-            <a:r>
-              <a:rPr lang="en-US" sz="1600" dirty="0" smtClean="0"/>
-              <a:t> and </a:t>
-            </a:r>
-            <a:r>
-              <a:rPr lang="en-US" sz="1600" dirty="0" err="1" smtClean="0"/>
-              <a:t>ConfigApplication_template.m</a:t>
-            </a:r>
-            <a:r>
-              <a:rPr lang="en-US" sz="1600" dirty="0" smtClean="0"/>
-              <a:t>).</a:t>
-            </a:r>
-          </a:p>
-          <a:p>
-            <a:r>
-              <a:rPr lang="en-US" sz="1600" dirty="0" smtClean="0"/>
-              <a:t>The application </a:t>
-            </a:r>
-            <a:r>
-              <a:rPr lang="en-US" sz="1600" dirty="0" err="1" smtClean="0"/>
-              <a:t>config</a:t>
-            </a:r>
-            <a:r>
-              <a:rPr lang="en-US" sz="1600" dirty="0" smtClean="0"/>
-              <a:t> file is separated in two parts:</a:t>
+              <a:t>Config files:</a:t>
+            </a:r>
+          </a:p>
+          <a:p>
+            <a:r>
+              <a:rPr lang="en-US" sz="1600" dirty="0" smtClean="0"/>
+              <a:t>two files in the JSON format host configuration values. They include slight GUI modification, menu bar definition and callback definitions mainly. Creation of those (cfg_framework.json and cfg_application_*.json) files is comfortably possible by using Matlab scripts (ConfigFramework_template.m and ConfigApplication_template.m).</a:t>
+            </a:r>
+          </a:p>
+          <a:p>
+            <a:r>
+              <a:rPr lang="en-US" sz="1600" dirty="0" smtClean="0"/>
+              <a:t>The application config file is separated in two parts:</a:t>
             </a:r>
             <a:r>
               <a:rPr lang="de-DE" sz="1600" dirty="0" smtClean="0"/>
@@ -8367,15 +7809,7 @@
             </a:r>
             <a:r>
               <a:rPr lang="en-US" sz="1600" dirty="0"/>
-              <a:t>is available in the *</a:t>
-            </a:r>
-            <a:r>
-              <a:rPr lang="en-US" sz="1600" dirty="0" err="1"/>
-              <a:t>template.m</a:t>
-            </a:r>
-            <a:r>
-              <a:rPr lang="en-US" sz="1600" dirty="0"/>
-              <a:t> files.</a:t>
+              <a:t>is available in the *template.m files.</a:t>
             </a:r>
           </a:p>
         </p:txBody>
@@ -8434,15 +7868,11 @@
               <a:rPr lang="de-DE" dirty="0"/>
               <a:t>Software Workflow</a:t>
             </a:r>
-            <a:r>
-              <a:rPr lang="de-DE"/>
-              <a:t/>
-            </a:r>
             <a:br>
-              <a:rPr lang="de-DE"/>
+              <a:rPr lang="de-DE" dirty="0"/>
             </a:br>
             <a:r>
-              <a:rPr lang="de-DE" sz="2400" smtClean="0"/>
+              <a:rPr lang="de-DE" sz="2400" dirty="0" smtClean="0"/>
               <a:t>Dicomflex FlowChart</a:t>
             </a:r>
             <a:endParaRPr lang="en-US" dirty="0"/>
@@ -8526,11 +7956,11 @@
           <a:lstStyle/>
           <a:p>
             <a:r>
-              <a:rPr lang="en-US" sz="1600" smtClean="0"/>
+              <a:rPr lang="en-US" sz="1600" dirty="0" smtClean="0"/>
               <a:t>To start the Dicomflex from the Matlab console type </a:t>
             </a:r>
             <a:r>
-              <a:rPr lang="en-US" sz="1600" smtClean="0">
+              <a:rPr lang="en-US" sz="1600" dirty="0" smtClean="0">
                 <a:solidFill>
                   <a:srgbClr val="7030A0"/>
                 </a:solidFill>
@@ -8538,11 +7968,11 @@
               <a:t>cControl</a:t>
             </a:r>
             <a:r>
-              <a:rPr lang="en-US" sz="1600"/>
+              <a:rPr lang="en-US" sz="1600" dirty="0"/>
               <a:t> </a:t>
             </a:r>
             <a:r>
-              <a:rPr lang="en-US" sz="1600" smtClean="0"/>
+              <a:rPr lang="en-US" sz="1600" dirty="0" smtClean="0"/>
               <a:t>to create a cControl instance.</a:t>
             </a:r>
             <a:endParaRPr lang="en-US" sz="1600" dirty="0"/>
@@ -8608,11 +8038,7 @@
             </a:br>
             <a:r>
               <a:rPr lang="de-DE" sz="2400" dirty="0"/>
-              <a:t>User </a:t>
-            </a:r>
-            <a:r>
-              <a:rPr lang="de-DE" sz="2400"/>
-              <a:t>Input Processing</a:t>
+              <a:t>User Input Processing</a:t>
             </a:r>
             <a:endParaRPr lang="en-US" dirty="0"/>
           </a:p>
@@ -8684,78 +8110,14 @@
             <a:pPr algn="just"/>
             <a:r>
               <a:rPr lang="en-US" sz="1600" dirty="0" smtClean="0"/>
-              <a:t>All user input is caught by the </a:t>
-            </a:r>
-            <a:r>
-              <a:rPr lang="en-US" sz="1600" dirty="0" err="1" smtClean="0"/>
-              <a:t>cControl</a:t>
-            </a:r>
-            <a:r>
-              <a:rPr lang="en-US" sz="1600" dirty="0" smtClean="0"/>
-              <a:t> class. If not directly processed there (e.g. when selecting another slice in the </a:t>
-            </a:r>
-            <a:r>
-              <a:rPr lang="en-US" sz="1600" dirty="0" err="1" smtClean="0"/>
-              <a:t>TableArea</a:t>
-            </a:r>
-            <a:r>
-              <a:rPr lang="en-US" sz="1600" dirty="0" smtClean="0"/>
-              <a:t>), it is redirected to the appropriate method of the </a:t>
-            </a:r>
-            <a:r>
-              <a:rPr lang="en-US" sz="1600" dirty="0" err="1" smtClean="0"/>
-              <a:t>cCompute</a:t>
-            </a:r>
-            <a:r>
-              <a:rPr lang="en-US" sz="1600" dirty="0" smtClean="0"/>
-              <a:t> class. The called </a:t>
-            </a:r>
-            <a:r>
-              <a:rPr lang="en-US" sz="1600" dirty="0" err="1" smtClean="0"/>
-              <a:t>cCompute</a:t>
-            </a:r>
-            <a:r>
-              <a:rPr lang="en-US" sz="1600" dirty="0" smtClean="0"/>
-              <a:t> method might do some general things and might forward to the </a:t>
-            </a:r>
-            <a:r>
-              <a:rPr lang="en-US" sz="1600" dirty="0" err="1" smtClean="0"/>
-              <a:t>cCompute</a:t>
-            </a:r>
-            <a:r>
-              <a:rPr lang="en-US" sz="1600" dirty="0" smtClean="0"/>
-              <a:t>-app class. After processing the GUI-update routine is triggered by the </a:t>
-            </a:r>
-            <a:r>
-              <a:rPr lang="en-US" sz="1600" dirty="0" err="1" smtClean="0"/>
-              <a:t>cControl</a:t>
-            </a:r>
-            <a:r>
-              <a:rPr lang="en-US" sz="1600" dirty="0" smtClean="0"/>
-              <a:t>.</a:t>
+              <a:t>All user input is caught by the cControl class. If not directly processed there (e.g. when selecting another slice in the TableArea), it is redirected to the appropriate method of the cCompute class. The called cCompute method might do some general things and might forward to the cCompute-app class. After processing the GUI-update routine is triggered by the cControl.</a:t>
             </a:r>
           </a:p>
           <a:p>
             <a:pPr algn="just"/>
             <a:r>
               <a:rPr lang="en-US" sz="1600" dirty="0" smtClean="0"/>
-              <a:t>Out of framework definitions of GUI element callbacks by the </a:t>
-            </a:r>
-            <a:r>
-              <a:rPr lang="en-US" sz="1600" dirty="0" err="1" smtClean="0"/>
-              <a:t>cCompute</a:t>
-            </a:r>
-            <a:r>
-              <a:rPr lang="en-US" sz="1600" dirty="0" smtClean="0"/>
-              <a:t>-app directly to methods in </a:t>
-            </a:r>
-            <a:r>
-              <a:rPr lang="en-US" sz="1600" dirty="0" err="1" smtClean="0"/>
-              <a:t>cCompute</a:t>
-            </a:r>
-            <a:r>
-              <a:rPr lang="en-US" sz="1600" dirty="0" smtClean="0"/>
-              <a:t>-app are possible to e.g. create and control additional GUI elements available for a certain application only.</a:t>
+              <a:t>Out of framework definitions of GUI element callbacks by the cCompute-app directly to methods in cCompute-app are possible to e.g. create and control additional GUI elements available for a certain application only.</a:t>
             </a:r>
             <a:endParaRPr lang="en-US" sz="1100" dirty="0"/>
           </a:p>
@@ -8815,15 +8177,11 @@
               <a:rPr lang="de-DE" dirty="0"/>
               <a:t>Software Workflow</a:t>
             </a:r>
-            <a:r>
-              <a:rPr lang="de-DE"/>
-              <a:t/>
-            </a:r>
             <a:br>
-              <a:rPr lang="de-DE"/>
+              <a:rPr lang="de-DE" dirty="0"/>
             </a:br>
             <a:r>
-              <a:rPr lang="de-DE" sz="2400"/>
+              <a:rPr lang="de-DE" sz="2400" dirty="0"/>
               <a:t>GUI update routine</a:t>
             </a:r>
             <a:endParaRPr lang="en-US" dirty="0"/>
@@ -8854,7 +8212,7 @@
           <a:p>
             <a:pPr algn="just"/>
             <a:r>
-              <a:rPr lang="de-DE" sz="1600" smtClean="0"/>
+              <a:rPr lang="en-US" sz="1600" dirty="0" smtClean="0"/>
               <a:t>The GUI update routine may be triggered from anywhere in the Dicomflex by calling the method cControl.mTableCellSelect</a:t>
             </a:r>
             <a:endParaRPr lang="en-US" sz="1100" dirty="0"/>
@@ -8969,15 +8327,11 @@
               <a:rPr lang="de-DE" dirty="0"/>
               <a:t>Software Workflow</a:t>
             </a:r>
-            <a:r>
-              <a:rPr lang="de-DE"/>
-              <a:t/>
-            </a:r>
             <a:br>
-              <a:rPr lang="de-DE"/>
+              <a:rPr lang="de-DE" dirty="0"/>
             </a:br>
             <a:r>
-              <a:rPr lang="de-DE" sz="2400" smtClean="0"/>
+              <a:rPr lang="de-DE" sz="2400" dirty="0" smtClean="0"/>
               <a:t>ImageUpdate</a:t>
             </a:r>
             <a:r>
@@ -9029,31 +8383,7 @@
             <a:pPr algn="just"/>
             <a:r>
               <a:rPr lang="en-US" sz="1600" dirty="0" smtClean="0"/>
-              <a:t>The image update is commonly called by the GUI update routine from </a:t>
-            </a:r>
-            <a:r>
-              <a:rPr lang="en-US" sz="1600" dirty="0" err="1" smtClean="0"/>
-              <a:t>cControl.mTableCellSelect</a:t>
-            </a:r>
-            <a:r>
-              <a:rPr lang="en-US" sz="1600" dirty="0" smtClean="0"/>
-              <a:t>. It is a framework method that calls two app-specific mandatory methods to be hosted in </a:t>
-            </a:r>
-            <a:r>
-              <a:rPr lang="en-US" sz="1600" dirty="0" err="1" smtClean="0"/>
-              <a:t>cCompute</a:t>
-            </a:r>
-            <a:r>
-              <a:rPr lang="en-US" sz="1600" dirty="0" smtClean="0"/>
-              <a:t>-app (mGetImg2Display and </a:t>
-            </a:r>
-            <a:r>
-              <a:rPr lang="en-US" sz="1600" dirty="0" err="1" smtClean="0"/>
-              <a:t>mPostPlot</a:t>
-            </a:r>
-            <a:r>
-              <a:rPr lang="en-US" sz="1600" dirty="0" smtClean="0"/>
-              <a:t>).</a:t>
+              <a:t>The image update is commonly called by the GUI update routine from cControl.mTableCellSelect. It is a framework method that calls two app-specific mandatory methods to be hosted in cCompute-app (mGetImg2Display and mPostPlot).</a:t>
             </a:r>
             <a:endParaRPr lang="en-US" sz="1600" dirty="0"/>
           </a:p>
